--- a/cc_capstone.pptx
+++ b/cc_capstone.pptx
@@ -1,6 +1,6 @@
 
 <file path=ppt/presentation.xml><?xml version="1.0" encoding="utf-8"?>
-<p:presentation xmlns:a="http://schemas.openxmlformats.org/drawingml/2006/main" xmlns:r="http://schemas.openxmlformats.org/officeDocument/2006/relationships" xmlns:p="http://schemas.openxmlformats.org/presentationml/2006/main" saveSubsetFonts="1">
+<p:presentation xmlns:a="http://schemas.openxmlformats.org/drawingml/2006/main" xmlns:r="http://schemas.openxmlformats.org/officeDocument/2006/relationships" xmlns:mc="http://schemas.openxmlformats.org/markup-compatibility/2006" xmlns:mv="urn:schemas-microsoft-com:mac:vml" xmlns:p="http://schemas.openxmlformats.org/presentationml/2006/main" mc:Ignorable="mv" mc:PreserveAttributes="mv:*" saveSubsetFonts="1">
   <p:sldMasterIdLst>
     <p:sldMasterId id="2147483648" r:id="rId1"/>
   </p:sldMasterIdLst>
@@ -23,7 +23,7 @@
   <p:sldSz cx="12188825" cy="6858000"/>
   <p:notesSz cx="6858000" cy="9144000"/>
   <p:custDataLst>
-    <p:tags r:id="rId12"/>
+    <p:tags r:id="rId13"/>
   </p:custDataLst>
   <p:defaultTextStyle>
     <a:defPPr>
@@ -122,7 +122,7 @@
   </p:defaultTextStyle>
   <p:extLst>
     <p:ext uri="{EFAFB233-063F-42B5-8137-9DF3F51BA10A}">
-      <p15:sldGuideLst xmlns="" xmlns:p15="http://schemas.microsoft.com/office/powerpoint/2012/main">
+      <p15:sldGuideLst xmlns:p15="http://schemas.microsoft.com/office/powerpoint/2012/main" xmlns="" xmlns:p="http://schemas.openxmlformats.org/presentationml/2006/main" xmlns:r="http://schemas.openxmlformats.org/officeDocument/2006/relationships" xmlns:a="http://schemas.openxmlformats.org/drawingml/2006/main">
         <p15:guide id="1" orient="horz" pos="2160">
           <p15:clr>
             <a:srgbClr val="A4A3A4"/>
@@ -166,7 +166,7 @@
       </p15:sldGuideLst>
     </p:ext>
     <p:ext uri="{2D200454-40CA-4A62-9FC3-DE9A4176ACB9}">
-      <p15:notesGuideLst xmlns="" xmlns:p15="http://schemas.microsoft.com/office/powerpoint/2012/main">
+      <p15:notesGuideLst xmlns:p15="http://schemas.microsoft.com/office/powerpoint/2012/main" xmlns="" xmlns:p="http://schemas.openxmlformats.org/presentationml/2006/main" xmlns:r="http://schemas.openxmlformats.org/officeDocument/2006/relationships" xmlns:a="http://schemas.openxmlformats.org/drawingml/2006/main">
         <p15:guide id="1" orient="horz" pos="2880">
           <p15:clr>
             <a:srgbClr val="A4A3A4"/>
@@ -184,7 +184,7 @@
 </file>
 
 <file path=ppt/handoutMasters/handoutMaster1.xml><?xml version="1.0" encoding="utf-8"?>
-<p:handoutMaster xmlns:a="http://schemas.openxmlformats.org/drawingml/2006/main" xmlns:r="http://schemas.openxmlformats.org/officeDocument/2006/relationships" xmlns:p="http://schemas.openxmlformats.org/presentationml/2006/main">
+<p:handoutMaster xmlns:a="http://schemas.openxmlformats.org/drawingml/2006/main" xmlns:r="http://schemas.openxmlformats.org/officeDocument/2006/relationships" xmlns:mc="http://schemas.openxmlformats.org/markup-compatibility/2006" xmlns:mv="urn:schemas-microsoft-com:mac:vml" xmlns:p="http://schemas.openxmlformats.org/presentationml/2006/main" mc:Ignorable="mv" mc:PreserveAttributes="mv:*">
   <p:cSld>
     <p:bg>
       <p:bgRef idx="1001">
@@ -265,7 +265,8 @@
           <a:p>
             <a:fld id="{1E821AA6-70BE-4FDE-A8DC-DB381A688FD8}" type="datetimeFigureOut">
               <a:rPr lang="en-US"/>
-              <a:t>2/1/2016</a:t>
+              <a:pPr/>
+              <a:t>2/1/16</a:t>
             </a:fld>
             <a:endParaRPr dirty="0"/>
           </a:p>
@@ -331,6 +332,7 @@
           <a:p>
             <a:fld id="{197E47EA-D299-42CE-88BF-4E1035596DA5}" type="slidenum">
               <a:rPr/>
+              <a:pPr/>
               <a:t>‹#›</a:t>
             </a:fld>
             <a:endParaRPr dirty="0"/>
@@ -340,7 +342,7 @@
     </p:spTree>
     <p:extLst>
       <p:ext uri="{BB962C8B-B14F-4D97-AF65-F5344CB8AC3E}">
-        <p14:creationId xmlns:p14="http://schemas.microsoft.com/office/powerpoint/2010/main" val="1966811851"/>
+        <p14:creationId xmlns:p14="http://schemas.microsoft.com/office/powerpoint/2010/main" xmlns:p="http://schemas.openxmlformats.org/presentationml/2006/main" xmlns:r="http://schemas.openxmlformats.org/officeDocument/2006/relationships" xmlns:a="http://schemas.openxmlformats.org/drawingml/2006/main" xmlns="" val="1966811851"/>
       </p:ext>
     </p:extLst>
   </p:cSld>
@@ -349,7 +351,7 @@
 </file>
 
 <file path=ppt/notesMasters/notesMaster1.xml><?xml version="1.0" encoding="utf-8"?>
-<p:notesMaster xmlns:a="http://schemas.openxmlformats.org/drawingml/2006/main" xmlns:r="http://schemas.openxmlformats.org/officeDocument/2006/relationships" xmlns:p="http://schemas.openxmlformats.org/presentationml/2006/main">
+<p:notesMaster xmlns:a="http://schemas.openxmlformats.org/drawingml/2006/main" xmlns:r="http://schemas.openxmlformats.org/officeDocument/2006/relationships" xmlns:mc="http://schemas.openxmlformats.org/markup-compatibility/2006" xmlns:mv="urn:schemas-microsoft-com:mac:vml" xmlns:p="http://schemas.openxmlformats.org/presentationml/2006/main" mc:Ignorable="mv" mc:PreserveAttributes="mv:*">
   <p:cSld>
     <p:bg>
       <p:bgRef idx="1001">
@@ -524,6 +526,7 @@
           <a:p>
             <a:fld id="{8C72D9AE-7182-4680-8F79-479C4181FF08}" type="slidenum">
               <a:rPr/>
+              <a:pPr/>
               <a:t>‹#›</a:t>
             </a:fld>
             <a:endParaRPr dirty="0"/>
@@ -533,7 +536,7 @@
     </p:spTree>
     <p:extLst>
       <p:ext uri="{BB962C8B-B14F-4D97-AF65-F5344CB8AC3E}">
-        <p14:creationId xmlns:p14="http://schemas.microsoft.com/office/powerpoint/2010/main" val="973114905"/>
+        <p14:creationId xmlns:p14="http://schemas.microsoft.com/office/powerpoint/2010/main" xmlns:p="http://schemas.openxmlformats.org/presentationml/2006/main" xmlns:r="http://schemas.openxmlformats.org/officeDocument/2006/relationships" xmlns:a="http://schemas.openxmlformats.org/drawingml/2006/main" xmlns="" val="973114905"/>
       </p:ext>
     </p:extLst>
   </p:cSld>
@@ -657,7 +660,7 @@
 </file>
 
 <file path=ppt/notesSlides/notesSlide1.xml><?xml version="1.0" encoding="utf-8"?>
-<p:notes xmlns:a="http://schemas.openxmlformats.org/drawingml/2006/main" xmlns:r="http://schemas.openxmlformats.org/officeDocument/2006/relationships" xmlns:p="http://schemas.openxmlformats.org/presentationml/2006/main">
+<p:notes xmlns:a="http://schemas.openxmlformats.org/drawingml/2006/main" xmlns:r="http://schemas.openxmlformats.org/officeDocument/2006/relationships" xmlns:mc="http://schemas.openxmlformats.org/markup-compatibility/2006" xmlns:mv="urn:schemas-microsoft-com:mac:vml" xmlns:p="http://schemas.openxmlformats.org/presentationml/2006/main" mc:Ignorable="mv" mc:PreserveAttributes="mv:*">
   <p:cSld>
     <p:spTree>
       <p:nvGrpSpPr>
@@ -726,6 +729,7 @@
           <a:p>
             <a:fld id="{8C72D9AE-7182-4680-8F79-479C4181FF08}" type="slidenum">
               <a:rPr lang="en-US" smtClean="0"/>
+              <a:pPr/>
               <a:t>1</a:t>
             </a:fld>
             <a:endParaRPr lang="en-US" dirty="0"/>
@@ -735,7 +739,7 @@
     </p:spTree>
     <p:extLst>
       <p:ext uri="{BB962C8B-B14F-4D97-AF65-F5344CB8AC3E}">
-        <p14:creationId xmlns:p14="http://schemas.microsoft.com/office/powerpoint/2010/main" val="4250555522"/>
+        <p14:creationId xmlns:p14="http://schemas.microsoft.com/office/powerpoint/2010/main" xmlns:p="http://schemas.openxmlformats.org/presentationml/2006/main" xmlns:r="http://schemas.openxmlformats.org/officeDocument/2006/relationships" xmlns:a="http://schemas.openxmlformats.org/drawingml/2006/main" xmlns="" val="4250555522"/>
       </p:ext>
     </p:extLst>
   </p:cSld>
@@ -746,7 +750,7 @@
 </file>
 
 <file path=ppt/notesSlides/notesSlide2.xml><?xml version="1.0" encoding="utf-8"?>
-<p:notes xmlns:a="http://schemas.openxmlformats.org/drawingml/2006/main" xmlns:r="http://schemas.openxmlformats.org/officeDocument/2006/relationships" xmlns:p="http://schemas.openxmlformats.org/presentationml/2006/main">
+<p:notes xmlns:a="http://schemas.openxmlformats.org/drawingml/2006/main" xmlns:r="http://schemas.openxmlformats.org/officeDocument/2006/relationships" xmlns:mc="http://schemas.openxmlformats.org/markup-compatibility/2006" xmlns:mv="urn:schemas-microsoft-com:mac:vml" xmlns:p="http://schemas.openxmlformats.org/presentationml/2006/main" mc:Ignorable="mv" mc:PreserveAttributes="mv:*">
   <p:cSld>
     <p:spTree>
       <p:nvGrpSpPr>
@@ -815,6 +819,7 @@
           <a:p>
             <a:fld id="{8C72D9AE-7182-4680-8F79-479C4181FF08}" type="slidenum">
               <a:rPr lang="en-US" smtClean="0"/>
+              <a:pPr/>
               <a:t>2</a:t>
             </a:fld>
             <a:endParaRPr lang="en-US" dirty="0"/>
@@ -824,7 +829,7 @@
     </p:spTree>
     <p:extLst>
       <p:ext uri="{BB962C8B-B14F-4D97-AF65-F5344CB8AC3E}">
-        <p14:creationId xmlns:p14="http://schemas.microsoft.com/office/powerpoint/2010/main" val="2427560242"/>
+        <p14:creationId xmlns:p14="http://schemas.microsoft.com/office/powerpoint/2010/main" xmlns:p="http://schemas.openxmlformats.org/presentationml/2006/main" xmlns:r="http://schemas.openxmlformats.org/officeDocument/2006/relationships" xmlns:a="http://schemas.openxmlformats.org/drawingml/2006/main" xmlns="" val="2427560242"/>
       </p:ext>
     </p:extLst>
   </p:cSld>
@@ -835,7 +840,7 @@
 </file>
 
 <file path=ppt/notesSlides/notesSlide3.xml><?xml version="1.0" encoding="utf-8"?>
-<p:notes xmlns:a="http://schemas.openxmlformats.org/drawingml/2006/main" xmlns:r="http://schemas.openxmlformats.org/officeDocument/2006/relationships" xmlns:p="http://schemas.openxmlformats.org/presentationml/2006/main">
+<p:notes xmlns:a="http://schemas.openxmlformats.org/drawingml/2006/main" xmlns:r="http://schemas.openxmlformats.org/officeDocument/2006/relationships" xmlns:mc="http://schemas.openxmlformats.org/markup-compatibility/2006" xmlns:mv="urn:schemas-microsoft-com:mac:vml" xmlns:p="http://schemas.openxmlformats.org/presentationml/2006/main" mc:Ignorable="mv" mc:PreserveAttributes="mv:*">
   <p:cSld>
     <p:spTree>
       <p:nvGrpSpPr>
@@ -904,6 +909,7 @@
           <a:p>
             <a:fld id="{8C72D9AE-7182-4680-8F79-479C4181FF08}" type="slidenum">
               <a:rPr lang="en-US" smtClean="0"/>
+              <a:pPr/>
               <a:t>8</a:t>
             </a:fld>
             <a:endParaRPr lang="en-US" dirty="0"/>
@@ -913,7 +919,7 @@
     </p:spTree>
     <p:extLst>
       <p:ext uri="{BB962C8B-B14F-4D97-AF65-F5344CB8AC3E}">
-        <p14:creationId xmlns:p14="http://schemas.microsoft.com/office/powerpoint/2010/main" val="2764169914"/>
+        <p14:creationId xmlns:p14="http://schemas.microsoft.com/office/powerpoint/2010/main" xmlns:p="http://schemas.openxmlformats.org/presentationml/2006/main" xmlns:r="http://schemas.openxmlformats.org/officeDocument/2006/relationships" xmlns:a="http://schemas.openxmlformats.org/drawingml/2006/main" xmlns="" val="2764169914"/>
       </p:ext>
     </p:extLst>
   </p:cSld>
@@ -924,7 +930,7 @@
 </file>
 
 <file path=ppt/slideLayouts/slideLayout1.xml><?xml version="1.0" encoding="utf-8"?>
-<p:sldLayout xmlns:a="http://schemas.openxmlformats.org/drawingml/2006/main" xmlns:r="http://schemas.openxmlformats.org/officeDocument/2006/relationships" xmlns:p="http://schemas.openxmlformats.org/presentationml/2006/main" showMasterSp="0" preserve="1">
+<p:sldLayout xmlns:a="http://schemas.openxmlformats.org/drawingml/2006/main" xmlns:r="http://schemas.openxmlformats.org/officeDocument/2006/relationships" xmlns:mc="http://schemas.openxmlformats.org/markup-compatibility/2006" xmlns:mv="urn:schemas-microsoft-com:mac:vml" xmlns:p="http://schemas.openxmlformats.org/presentationml/2006/main" mc:Ignorable="mv" mc:PreserveAttributes="mv:*" showMasterSp="0" preserve="1">
   <p:cSld name="Title Slide without Picture">
     <p:bg>
       <p:bgPr>
@@ -1209,7 +1215,8 @@
           <a:p>
             <a:fld id="{EBE4F224-6FE5-4B3C-AC07-93B54B12E358}" type="datetime1">
               <a:rPr lang="en-US" smtClean="0"/>
-              <a:t>2/1/2016</a:t>
+              <a:pPr/>
+              <a:t>2/1/16</a:t>
             </a:fld>
             <a:endParaRPr lang="en-US" dirty="0"/>
           </a:p>
@@ -1327,7 +1334,7 @@
       </p:sp>
       <p:pic>
         <p:nvPicPr>
-          <p:cNvPr id="9" name="Picture 8" descr="Oracle logo in white on red staging background" title="Oracle red badge logo"/>
+          <p:cNvPr id="9" name="Picture 8" descr="Oracle logo in white on red staging background"/>
           <p:cNvPicPr>
             <a:picLocks noChangeAspect="1"/>
           </p:cNvPicPr>
@@ -1337,7 +1344,7 @@
           <a:blip r:embed="rId2">
             <a:extLst>
               <a:ext uri="{28A0092B-C50C-407E-A947-70E740481C1C}">
-                <a14:useLocalDpi xmlns:a14="http://schemas.microsoft.com/office/drawing/2010/main" val="0"/>
+                <a14:useLocalDpi xmlns:a14="http://schemas.microsoft.com/office/drawing/2010/main" xmlns:p="http://schemas.openxmlformats.org/presentationml/2006/main" xmlns:r="http://schemas.openxmlformats.org/officeDocument/2006/relationships" xmlns:a="http://schemas.openxmlformats.org/drawingml/2006/main" xmlns="" val="0"/>
               </a:ext>
             </a:extLst>
           </a:blip>
@@ -1358,20 +1365,20 @@
     </p:spTree>
     <p:extLst>
       <p:ext uri="{BB962C8B-B14F-4D97-AF65-F5344CB8AC3E}">
-        <p14:creationId xmlns:p14="http://schemas.microsoft.com/office/powerpoint/2010/main" val="3993200288"/>
+        <p14:creationId xmlns:p14="http://schemas.microsoft.com/office/powerpoint/2010/main" xmlns:p="http://schemas.openxmlformats.org/presentationml/2006/main" xmlns:r="http://schemas.openxmlformats.org/officeDocument/2006/relationships" xmlns:a="http://schemas.openxmlformats.org/drawingml/2006/main" xmlns="" val="3993200288"/>
       </p:ext>
     </p:extLst>
   </p:cSld>
   <p:clrMapOvr>
     <a:masterClrMapping/>
   </p:clrMapOvr>
-  <mc:AlternateContent xmlns:mc="http://schemas.openxmlformats.org/markup-compatibility/2006" xmlns:p14="http://schemas.microsoft.com/office/powerpoint/2010/main">
-    <mc:Choice Requires="p14">
+  <mc:AlternateContent>
+    <mc:Choice xmlns:mc="http://schemas.openxmlformats.org/markup-compatibility/2006" xmlns:p14="http://schemas.microsoft.com/office/powerpoint/2010/main" xmlns:p="http://schemas.openxmlformats.org/presentationml/2006/main" xmlns:r="http://schemas.openxmlformats.org/officeDocument/2006/relationships" xmlns:a="http://schemas.openxmlformats.org/drawingml/2006/main" xmlns="" Requires="p14">
       <p:transition spd="med" p14:dur="700">
         <p:fade/>
       </p:transition>
     </mc:Choice>
-    <mc:Fallback xmlns="">
+    <mc:Fallback>
       <p:transition spd="med">
         <p:fade/>
       </p:transition>
@@ -1388,7 +1395,7 @@
 </file>
 
 <file path=ppt/slideLayouts/slideLayout10.xml><?xml version="1.0" encoding="utf-8"?>
-<p:sldLayout xmlns:a="http://schemas.openxmlformats.org/drawingml/2006/main" xmlns:r="http://schemas.openxmlformats.org/officeDocument/2006/relationships" xmlns:p="http://schemas.openxmlformats.org/presentationml/2006/main" showMasterSp="0" type="secHead" preserve="1">
+<p:sldLayout xmlns:a="http://schemas.openxmlformats.org/drawingml/2006/main" xmlns:r="http://schemas.openxmlformats.org/officeDocument/2006/relationships" xmlns:mc="http://schemas.openxmlformats.org/markup-compatibility/2006" xmlns:mv="urn:schemas-microsoft-com:mac:vml" xmlns:p="http://schemas.openxmlformats.org/presentationml/2006/main" mc:Ignorable="mv" mc:PreserveAttributes="mv:*" showMasterSp="0" type="secHead" preserve="1">
   <p:cSld name="Section Header with Picture">
     <p:bg>
       <p:bgPr>
@@ -1420,7 +1427,7 @@
       </p:grpSpPr>
       <p:sp>
         <p:nvSpPr>
-          <p:cNvPr id="18" name="Rectangle 17" descr="Full bleed 4-color photo can be inserted here" title="Section Header with Picture"/>
+          <p:cNvPr id="18" name="Rectangle 17" descr="Full bleed 4-color photo can be inserted here"/>
           <p:cNvSpPr/>
           <p:nvPr userDrawn="1"/>
         </p:nvSpPr>
@@ -1843,7 +1850,8 @@
           <a:p>
             <a:fld id="{39B53349-CA8D-4C70-9078-98D955D2EAFF}" type="datetime1">
               <a:rPr lang="en-US" smtClean="0"/>
-              <a:t>2/1/2016</a:t>
+              <a:pPr/>
+              <a:t>2/1/16</a:t>
             </a:fld>
             <a:endParaRPr lang="en-US" dirty="0"/>
           </a:p>
@@ -1993,7 +2001,7 @@
       </p:sp>
       <p:pic>
         <p:nvPicPr>
-          <p:cNvPr id="16" name="Picture 15" descr="Oracle logo in white on red staging background" title="Oracle red badge logo"/>
+          <p:cNvPr id="16" name="Picture 15" descr="Oracle logo in white on red staging background"/>
           <p:cNvPicPr>
             <a:picLocks noChangeAspect="1"/>
           </p:cNvPicPr>
@@ -2003,7 +2011,7 @@
           <a:blip r:embed="rId3">
             <a:extLst>
               <a:ext uri="{28A0092B-C50C-407E-A947-70E740481C1C}">
-                <a14:useLocalDpi xmlns:a14="http://schemas.microsoft.com/office/drawing/2010/main" val="0"/>
+                <a14:useLocalDpi xmlns:a14="http://schemas.microsoft.com/office/drawing/2010/main" xmlns:p="http://schemas.openxmlformats.org/presentationml/2006/main" xmlns:r="http://schemas.openxmlformats.org/officeDocument/2006/relationships" xmlns:a="http://schemas.openxmlformats.org/drawingml/2006/main" xmlns="" val="0"/>
               </a:ext>
             </a:extLst>
           </a:blip>
@@ -2024,20 +2032,20 @@
     </p:spTree>
     <p:extLst>
       <p:ext uri="{BB962C8B-B14F-4D97-AF65-F5344CB8AC3E}">
-        <p14:creationId xmlns:p14="http://schemas.microsoft.com/office/powerpoint/2010/main" val="1117667334"/>
+        <p14:creationId xmlns:p14="http://schemas.microsoft.com/office/powerpoint/2010/main" xmlns:p="http://schemas.openxmlformats.org/presentationml/2006/main" xmlns:r="http://schemas.openxmlformats.org/officeDocument/2006/relationships" xmlns:a="http://schemas.openxmlformats.org/drawingml/2006/main" xmlns="" val="1117667334"/>
       </p:ext>
     </p:extLst>
   </p:cSld>
   <p:clrMapOvr>
     <a:overrideClrMapping bg1="dk1" tx1="lt1" bg2="dk2" tx2="lt2" accent1="accent1" accent2="accent2" accent3="accent3" accent4="accent4" accent5="accent5" accent6="accent6" hlink="hlink" folHlink="folHlink"/>
   </p:clrMapOvr>
-  <mc:AlternateContent xmlns:mc="http://schemas.openxmlformats.org/markup-compatibility/2006" xmlns:p14="http://schemas.microsoft.com/office/powerpoint/2010/main">
-    <mc:Choice Requires="p14">
+  <mc:AlternateContent>
+    <mc:Choice xmlns:mc="http://schemas.openxmlformats.org/markup-compatibility/2006" xmlns:p14="http://schemas.microsoft.com/office/powerpoint/2010/main" xmlns:p="http://schemas.openxmlformats.org/presentationml/2006/main" xmlns:r="http://schemas.openxmlformats.org/officeDocument/2006/relationships" xmlns:a="http://schemas.openxmlformats.org/drawingml/2006/main" xmlns="" Requires="p14">
       <p:transition spd="med" p14:dur="700">
         <p:fade/>
       </p:transition>
     </mc:Choice>
-    <mc:Fallback xmlns="">
+    <mc:Fallback>
       <p:transition spd="med">
         <p:fade/>
       </p:transition>
@@ -2054,7 +2062,7 @@
 </file>
 
 <file path=ppt/slideLayouts/slideLayout11.xml><?xml version="1.0" encoding="utf-8"?>
-<p:sldLayout xmlns:a="http://schemas.openxmlformats.org/drawingml/2006/main" xmlns:r="http://schemas.openxmlformats.org/officeDocument/2006/relationships" xmlns:p="http://schemas.openxmlformats.org/presentationml/2006/main" preserve="1">
+<p:sldLayout xmlns:a="http://schemas.openxmlformats.org/drawingml/2006/main" xmlns:r="http://schemas.openxmlformats.org/officeDocument/2006/relationships" xmlns:mc="http://schemas.openxmlformats.org/markup-compatibility/2006" xmlns:mv="urn:schemas-microsoft-com:mac:vml" xmlns:p="http://schemas.openxmlformats.org/presentationml/2006/main" mc:Ignorable="mv" mc:PreserveAttributes="mv:*" preserve="1">
   <p:cSld name="Announcement">
     <p:spTree>
       <p:nvGrpSpPr>
@@ -2260,7 +2268,8 @@
           <a:p>
             <a:fld id="{441506E3-9E39-4DFD-B189-531D0BC6CD96}" type="datetime1">
               <a:rPr lang="en-US" smtClean="0"/>
-              <a:t>2/1/2016</a:t>
+              <a:pPr/>
+              <a:t>2/1/16</a:t>
             </a:fld>
             <a:endParaRPr dirty="0"/>
           </a:p>
@@ -2306,6 +2315,7 @@
           <a:p>
             <a:fld id="{C51EAA63-D034-42AE-91FA-B13B9518C7BE}" type="slidenum">
               <a:rPr/>
+              <a:pPr/>
               <a:t>‹#›</a:t>
             </a:fld>
             <a:endParaRPr dirty="0"/>
@@ -2315,20 +2325,20 @@
     </p:spTree>
     <p:extLst>
       <p:ext uri="{BB962C8B-B14F-4D97-AF65-F5344CB8AC3E}">
-        <p14:creationId xmlns:p14="http://schemas.microsoft.com/office/powerpoint/2010/main" val="2670370585"/>
+        <p14:creationId xmlns:p14="http://schemas.microsoft.com/office/powerpoint/2010/main" xmlns:p="http://schemas.openxmlformats.org/presentationml/2006/main" xmlns:r="http://schemas.openxmlformats.org/officeDocument/2006/relationships" xmlns:a="http://schemas.openxmlformats.org/drawingml/2006/main" xmlns="" val="2670370585"/>
       </p:ext>
     </p:extLst>
   </p:cSld>
   <p:clrMapOvr>
     <a:masterClrMapping/>
   </p:clrMapOvr>
-  <mc:AlternateContent xmlns:mc="http://schemas.openxmlformats.org/markup-compatibility/2006" xmlns:p14="http://schemas.microsoft.com/office/powerpoint/2010/main">
-    <mc:Choice Requires="p14">
+  <mc:AlternateContent>
+    <mc:Choice xmlns:mc="http://schemas.openxmlformats.org/markup-compatibility/2006" xmlns:p14="http://schemas.microsoft.com/office/powerpoint/2010/main" xmlns:p="http://schemas.openxmlformats.org/presentationml/2006/main" xmlns:r="http://schemas.openxmlformats.org/officeDocument/2006/relationships" xmlns:a="http://schemas.openxmlformats.org/drawingml/2006/main" xmlns="" Requires="p14">
       <p:transition spd="med" p14:dur="700">
         <p:fade/>
       </p:transition>
     </mc:Choice>
-    <mc:Fallback xmlns="">
+    <mc:Fallback>
       <p:transition spd="med">
         <p:fade/>
       </p:transition>
@@ -2345,7 +2355,7 @@
 </file>
 
 <file path=ppt/slideLayouts/slideLayout12.xml><?xml version="1.0" encoding="utf-8"?>
-<p:sldLayout xmlns:a="http://schemas.openxmlformats.org/drawingml/2006/main" xmlns:r="http://schemas.openxmlformats.org/officeDocument/2006/relationships" xmlns:p="http://schemas.openxmlformats.org/presentationml/2006/main" preserve="1" userDrawn="1">
+<p:sldLayout xmlns:a="http://schemas.openxmlformats.org/drawingml/2006/main" xmlns:r="http://schemas.openxmlformats.org/officeDocument/2006/relationships" xmlns:mc="http://schemas.openxmlformats.org/markup-compatibility/2006" xmlns:mv="urn:schemas-microsoft-com:mac:vml" xmlns:p="http://schemas.openxmlformats.org/presentationml/2006/main" mc:Ignorable="mv" mc:PreserveAttributes="mv:*" preserve="1" userDrawn="1">
   <p:cSld name="Remote Speaker Picture">
     <p:spTree>
       <p:nvGrpSpPr>
@@ -2378,7 +2388,8 @@
           <a:p>
             <a:fld id="{FBBBF865-DC94-452D-9A33-6E257F8EEEE6}" type="datetime1">
               <a:rPr lang="en-US" smtClean="0"/>
-              <a:t>2/1/2016</a:t>
+              <a:pPr/>
+              <a:t>2/1/16</a:t>
             </a:fld>
             <a:endParaRPr dirty="0"/>
           </a:p>
@@ -2424,6 +2435,7 @@
           <a:p>
             <a:fld id="{C51EAA63-D034-42AE-91FA-B13B9518C7BE}" type="slidenum">
               <a:rPr/>
+              <a:pPr/>
               <a:t>‹#›</a:t>
             </a:fld>
             <a:endParaRPr dirty="0"/>
@@ -2557,20 +2569,20 @@
     </p:spTree>
     <p:extLst>
       <p:ext uri="{BB962C8B-B14F-4D97-AF65-F5344CB8AC3E}">
-        <p14:creationId xmlns:p14="http://schemas.microsoft.com/office/powerpoint/2010/main" val="1889077191"/>
+        <p14:creationId xmlns:p14="http://schemas.microsoft.com/office/powerpoint/2010/main" xmlns:p="http://schemas.openxmlformats.org/presentationml/2006/main" xmlns:r="http://schemas.openxmlformats.org/officeDocument/2006/relationships" xmlns:a="http://schemas.openxmlformats.org/drawingml/2006/main" xmlns="" val="1889077191"/>
       </p:ext>
     </p:extLst>
   </p:cSld>
   <p:clrMapOvr>
     <a:masterClrMapping/>
   </p:clrMapOvr>
-  <mc:AlternateContent xmlns:mc="http://schemas.openxmlformats.org/markup-compatibility/2006" xmlns:p14="http://schemas.microsoft.com/office/powerpoint/2010/main">
-    <mc:Choice Requires="p14">
+  <mc:AlternateContent>
+    <mc:Choice xmlns:mc="http://schemas.openxmlformats.org/markup-compatibility/2006" xmlns:p14="http://schemas.microsoft.com/office/powerpoint/2010/main" xmlns:p="http://schemas.openxmlformats.org/presentationml/2006/main" xmlns:r="http://schemas.openxmlformats.org/officeDocument/2006/relationships" xmlns:a="http://schemas.openxmlformats.org/drawingml/2006/main" xmlns="" Requires="p14">
       <p:transition spd="med" p14:dur="700">
         <p:fade/>
       </p:transition>
     </mc:Choice>
-    <mc:Fallback xmlns="">
+    <mc:Fallback>
       <p:transition spd="med">
         <p:fade/>
       </p:transition>
@@ -2587,7 +2599,7 @@
 </file>
 
 <file path=ppt/slideLayouts/slideLayout13.xml><?xml version="1.0" encoding="utf-8"?>
-<p:sldLayout xmlns:a="http://schemas.openxmlformats.org/drawingml/2006/main" xmlns:r="http://schemas.openxmlformats.org/officeDocument/2006/relationships" xmlns:p="http://schemas.openxmlformats.org/presentationml/2006/main" preserve="1">
+<p:sldLayout xmlns:a="http://schemas.openxmlformats.org/drawingml/2006/main" xmlns:r="http://schemas.openxmlformats.org/officeDocument/2006/relationships" xmlns:mc="http://schemas.openxmlformats.org/markup-compatibility/2006" xmlns:mv="urn:schemas-microsoft-com:mac:vml" xmlns:p="http://schemas.openxmlformats.org/presentationml/2006/main" mc:Ignorable="mv" mc:PreserveAttributes="mv:*" preserve="1">
   <p:cSld name="Quote with Logo">
     <p:spTree>
       <p:nvGrpSpPr>
@@ -2725,7 +2737,8 @@
           <a:p>
             <a:fld id="{11784E84-143C-479B-B807-3421AC3AB03A}" type="datetime1">
               <a:rPr lang="en-US" smtClean="0"/>
-              <a:t>2/1/2016</a:t>
+              <a:pPr/>
+              <a:t>2/1/16</a:t>
             </a:fld>
             <a:endParaRPr dirty="0"/>
           </a:p>
@@ -2771,6 +2784,7 @@
           <a:p>
             <a:fld id="{C51EAA63-D034-42AE-91FA-B13B9518C7BE}" type="slidenum">
               <a:rPr/>
+              <a:pPr/>
               <a:t>‹#›</a:t>
             </a:fld>
             <a:endParaRPr dirty="0"/>
@@ -2780,20 +2794,20 @@
     </p:spTree>
     <p:extLst>
       <p:ext uri="{BB962C8B-B14F-4D97-AF65-F5344CB8AC3E}">
-        <p14:creationId xmlns:p14="http://schemas.microsoft.com/office/powerpoint/2010/main" val="945098468"/>
+        <p14:creationId xmlns:p14="http://schemas.microsoft.com/office/powerpoint/2010/main" xmlns:p="http://schemas.openxmlformats.org/presentationml/2006/main" xmlns:r="http://schemas.openxmlformats.org/officeDocument/2006/relationships" xmlns:a="http://schemas.openxmlformats.org/drawingml/2006/main" xmlns="" val="945098468"/>
       </p:ext>
     </p:extLst>
   </p:cSld>
   <p:clrMapOvr>
     <a:masterClrMapping/>
   </p:clrMapOvr>
-  <mc:AlternateContent xmlns:mc="http://schemas.openxmlformats.org/markup-compatibility/2006" xmlns:p14="http://schemas.microsoft.com/office/powerpoint/2010/main">
-    <mc:Choice Requires="p14">
+  <mc:AlternateContent>
+    <mc:Choice xmlns:mc="http://schemas.openxmlformats.org/markup-compatibility/2006" xmlns:p14="http://schemas.microsoft.com/office/powerpoint/2010/main" xmlns:p="http://schemas.openxmlformats.org/presentationml/2006/main" xmlns:r="http://schemas.openxmlformats.org/officeDocument/2006/relationships" xmlns:a="http://schemas.openxmlformats.org/drawingml/2006/main" xmlns="" Requires="p14">
       <p:transition spd="med" p14:dur="700">
         <p:fade/>
       </p:transition>
     </mc:Choice>
-    <mc:Fallback xmlns="">
+    <mc:Fallback>
       <p:transition spd="med">
         <p:fade/>
       </p:transition>
@@ -2810,7 +2824,7 @@
 </file>
 
 <file path=ppt/slideLayouts/slideLayout14.xml><?xml version="1.0" encoding="utf-8"?>
-<p:sldLayout xmlns:a="http://schemas.openxmlformats.org/drawingml/2006/main" xmlns:r="http://schemas.openxmlformats.org/officeDocument/2006/relationships" xmlns:p="http://schemas.openxmlformats.org/presentationml/2006/main" preserve="1">
+<p:sldLayout xmlns:a="http://schemas.openxmlformats.org/drawingml/2006/main" xmlns:r="http://schemas.openxmlformats.org/officeDocument/2006/relationships" xmlns:mc="http://schemas.openxmlformats.org/markup-compatibility/2006" xmlns:mv="urn:schemas-microsoft-com:mac:vml" xmlns:p="http://schemas.openxmlformats.org/presentationml/2006/main" mc:Ignorable="mv" mc:PreserveAttributes="mv:*" preserve="1">
   <p:cSld name="Quote with Picture">
     <p:spTree>
       <p:nvGrpSpPr>
@@ -2948,7 +2962,8 @@
           <a:p>
             <a:fld id="{EA3183E4-4D96-4D2E-AD09-4DCA34B0BE70}" type="datetime1">
               <a:rPr lang="en-US" smtClean="0"/>
-              <a:t>2/1/2016</a:t>
+              <a:pPr/>
+              <a:t>2/1/16</a:t>
             </a:fld>
             <a:endParaRPr dirty="0"/>
           </a:p>
@@ -2994,6 +3009,7 @@
           <a:p>
             <a:fld id="{C51EAA63-D034-42AE-91FA-B13B9518C7BE}" type="slidenum">
               <a:rPr/>
+              <a:pPr/>
               <a:t>‹#›</a:t>
             </a:fld>
             <a:endParaRPr dirty="0"/>
@@ -3047,20 +3063,20 @@
     </p:spTree>
     <p:extLst>
       <p:ext uri="{BB962C8B-B14F-4D97-AF65-F5344CB8AC3E}">
-        <p14:creationId xmlns:p14="http://schemas.microsoft.com/office/powerpoint/2010/main" val="1027766858"/>
+        <p14:creationId xmlns:p14="http://schemas.microsoft.com/office/powerpoint/2010/main" xmlns:p="http://schemas.openxmlformats.org/presentationml/2006/main" xmlns:r="http://schemas.openxmlformats.org/officeDocument/2006/relationships" xmlns:a="http://schemas.openxmlformats.org/drawingml/2006/main" xmlns="" val="1027766858"/>
       </p:ext>
     </p:extLst>
   </p:cSld>
   <p:clrMapOvr>
     <a:masterClrMapping/>
   </p:clrMapOvr>
-  <mc:AlternateContent xmlns:mc="http://schemas.openxmlformats.org/markup-compatibility/2006" xmlns:p14="http://schemas.microsoft.com/office/powerpoint/2010/main">
-    <mc:Choice Requires="p14">
+  <mc:AlternateContent>
+    <mc:Choice xmlns:mc="http://schemas.openxmlformats.org/markup-compatibility/2006" xmlns:p14="http://schemas.microsoft.com/office/powerpoint/2010/main" xmlns:p="http://schemas.openxmlformats.org/presentationml/2006/main" xmlns:r="http://schemas.openxmlformats.org/officeDocument/2006/relationships" xmlns:a="http://schemas.openxmlformats.org/drawingml/2006/main" xmlns="" Requires="p14">
       <p:transition spd="med" p14:dur="700">
         <p:fade/>
       </p:transition>
     </mc:Choice>
-    <mc:Fallback xmlns="">
+    <mc:Fallback>
       <p:transition spd="med">
         <p:fade/>
       </p:transition>
@@ -3077,7 +3093,7 @@
 </file>
 
 <file path=ppt/slideLayouts/slideLayout15.xml><?xml version="1.0" encoding="utf-8"?>
-<p:sldLayout xmlns:a="http://schemas.openxmlformats.org/drawingml/2006/main" xmlns:r="http://schemas.openxmlformats.org/officeDocument/2006/relationships" xmlns:p="http://schemas.openxmlformats.org/presentationml/2006/main" preserve="1">
+<p:sldLayout xmlns:a="http://schemas.openxmlformats.org/drawingml/2006/main" xmlns:r="http://schemas.openxmlformats.org/officeDocument/2006/relationships" xmlns:mc="http://schemas.openxmlformats.org/markup-compatibility/2006" xmlns:mv="urn:schemas-microsoft-com:mac:vml" xmlns:p="http://schemas.openxmlformats.org/presentationml/2006/main" mc:Ignorable="mv" mc:PreserveAttributes="mv:*" preserve="1">
   <p:cSld name="Two Content">
     <p:spTree>
       <p:nvGrpSpPr>
@@ -3320,7 +3336,8 @@
           <a:p>
             <a:fld id="{00AD074B-37E7-46D9-9D9C-E2321621A38C}" type="datetime1">
               <a:rPr lang="en-US" smtClean="0"/>
-              <a:t>2/1/2016</a:t>
+              <a:pPr/>
+              <a:t>2/1/16</a:t>
             </a:fld>
             <a:endParaRPr dirty="0"/>
           </a:p>
@@ -3366,6 +3383,7 @@
           <a:p>
             <a:fld id="{C51EAA63-D034-42AE-91FA-B13B9518C7BE}" type="slidenum">
               <a:rPr/>
+              <a:pPr/>
               <a:t>‹#›</a:t>
             </a:fld>
             <a:endParaRPr dirty="0"/>
@@ -3398,20 +3416,20 @@
     </p:spTree>
     <p:extLst>
       <p:ext uri="{BB962C8B-B14F-4D97-AF65-F5344CB8AC3E}">
-        <p14:creationId xmlns:p14="http://schemas.microsoft.com/office/powerpoint/2010/main" val="520166155"/>
+        <p14:creationId xmlns:p14="http://schemas.microsoft.com/office/powerpoint/2010/main" xmlns:p="http://schemas.openxmlformats.org/presentationml/2006/main" xmlns:r="http://schemas.openxmlformats.org/officeDocument/2006/relationships" xmlns:a="http://schemas.openxmlformats.org/drawingml/2006/main" xmlns="" val="520166155"/>
       </p:ext>
     </p:extLst>
   </p:cSld>
   <p:clrMapOvr>
     <a:masterClrMapping/>
   </p:clrMapOvr>
-  <mc:AlternateContent xmlns:mc="http://schemas.openxmlformats.org/markup-compatibility/2006" xmlns:p14="http://schemas.microsoft.com/office/powerpoint/2010/main">
-    <mc:Choice Requires="p14">
+  <mc:AlternateContent>
+    <mc:Choice xmlns:mc="http://schemas.openxmlformats.org/markup-compatibility/2006" xmlns:p14="http://schemas.microsoft.com/office/powerpoint/2010/main" xmlns:p="http://schemas.openxmlformats.org/presentationml/2006/main" xmlns:r="http://schemas.openxmlformats.org/officeDocument/2006/relationships" xmlns:a="http://schemas.openxmlformats.org/drawingml/2006/main" xmlns="" Requires="p14">
       <p:transition spd="med" p14:dur="700">
         <p:fade/>
       </p:transition>
     </mc:Choice>
-    <mc:Fallback xmlns="">
+    <mc:Fallback>
       <p:transition spd="med">
         <p:fade/>
       </p:transition>
@@ -3428,7 +3446,7 @@
 </file>
 
 <file path=ppt/slideLayouts/slideLayout16.xml><?xml version="1.0" encoding="utf-8"?>
-<p:sldLayout xmlns:a="http://schemas.openxmlformats.org/drawingml/2006/main" xmlns:r="http://schemas.openxmlformats.org/officeDocument/2006/relationships" xmlns:p="http://schemas.openxmlformats.org/presentationml/2006/main" preserve="1">
+<p:sldLayout xmlns:a="http://schemas.openxmlformats.org/drawingml/2006/main" xmlns:r="http://schemas.openxmlformats.org/officeDocument/2006/relationships" xmlns:mc="http://schemas.openxmlformats.org/markup-compatibility/2006" xmlns:mv="urn:schemas-microsoft-com:mac:vml" xmlns:p="http://schemas.openxmlformats.org/presentationml/2006/main" mc:Ignorable="mv" mc:PreserveAttributes="mv:*" preserve="1">
   <p:cSld name="Three Content">
     <p:spTree>
       <p:nvGrpSpPr>
@@ -3707,7 +3725,8 @@
           <a:p>
             <a:fld id="{9B88DF6A-818D-40FE-9B7E-6F5F6C107050}" type="datetime1">
               <a:rPr lang="en-US" smtClean="0"/>
-              <a:t>2/1/2016</a:t>
+              <a:pPr/>
+              <a:t>2/1/16</a:t>
             </a:fld>
             <a:endParaRPr dirty="0"/>
           </a:p>
@@ -3753,6 +3772,7 @@
           <a:p>
             <a:fld id="{C51EAA63-D034-42AE-91FA-B13B9518C7BE}" type="slidenum">
               <a:rPr/>
+              <a:pPr/>
               <a:t>‹#›</a:t>
             </a:fld>
             <a:endParaRPr dirty="0"/>
@@ -3872,20 +3892,20 @@
     </p:spTree>
     <p:extLst>
       <p:ext uri="{BB962C8B-B14F-4D97-AF65-F5344CB8AC3E}">
-        <p14:creationId xmlns:p14="http://schemas.microsoft.com/office/powerpoint/2010/main" val="53371416"/>
+        <p14:creationId xmlns:p14="http://schemas.microsoft.com/office/powerpoint/2010/main" xmlns:p="http://schemas.openxmlformats.org/presentationml/2006/main" xmlns:r="http://schemas.openxmlformats.org/officeDocument/2006/relationships" xmlns:a="http://schemas.openxmlformats.org/drawingml/2006/main" xmlns="" val="53371416"/>
       </p:ext>
     </p:extLst>
   </p:cSld>
   <p:clrMapOvr>
     <a:masterClrMapping/>
   </p:clrMapOvr>
-  <mc:AlternateContent xmlns:mc="http://schemas.openxmlformats.org/markup-compatibility/2006" xmlns:p14="http://schemas.microsoft.com/office/powerpoint/2010/main">
-    <mc:Choice Requires="p14">
+  <mc:AlternateContent>
+    <mc:Choice xmlns:mc="http://schemas.openxmlformats.org/markup-compatibility/2006" xmlns:p14="http://schemas.microsoft.com/office/powerpoint/2010/main" xmlns:p="http://schemas.openxmlformats.org/presentationml/2006/main" xmlns:r="http://schemas.openxmlformats.org/officeDocument/2006/relationships" xmlns:a="http://schemas.openxmlformats.org/drawingml/2006/main" xmlns="" Requires="p14">
       <p:transition spd="med" p14:dur="700">
         <p:fade/>
       </p:transition>
     </mc:Choice>
-    <mc:Fallback xmlns="">
+    <mc:Fallback>
       <p:transition spd="med">
         <p:fade/>
       </p:transition>
@@ -3895,7 +3915,7 @@
 </file>
 
 <file path=ppt/slideLayouts/slideLayout17.xml><?xml version="1.0" encoding="utf-8"?>
-<p:sldLayout xmlns:a="http://schemas.openxmlformats.org/drawingml/2006/main" xmlns:r="http://schemas.openxmlformats.org/officeDocument/2006/relationships" xmlns:p="http://schemas.openxmlformats.org/presentationml/2006/main" preserve="1">
+<p:sldLayout xmlns:a="http://schemas.openxmlformats.org/drawingml/2006/main" xmlns:r="http://schemas.openxmlformats.org/officeDocument/2006/relationships" xmlns:mc="http://schemas.openxmlformats.org/markup-compatibility/2006" xmlns:mv="urn:schemas-microsoft-com:mac:vml" xmlns:p="http://schemas.openxmlformats.org/presentationml/2006/main" mc:Ignorable="mv" mc:PreserveAttributes="mv:*" preserve="1">
   <p:cSld name="Four Content">
     <p:spTree>
       <p:nvGrpSpPr>
@@ -4102,7 +4122,8 @@
           <a:p>
             <a:fld id="{6D2C248F-5CE9-4141-87CF-8931DFD66C9E}" type="datetime1">
               <a:rPr lang="en-US" smtClean="0"/>
-              <a:t>2/1/2016</a:t>
+              <a:pPr/>
+              <a:t>2/1/16</a:t>
             </a:fld>
             <a:endParaRPr dirty="0"/>
           </a:p>
@@ -4148,6 +4169,7 @@
           <a:p>
             <a:fld id="{C51EAA63-D034-42AE-91FA-B13B9518C7BE}" type="slidenum">
               <a:rPr/>
+              <a:pPr/>
               <a:t>‹#›</a:t>
             </a:fld>
             <a:endParaRPr dirty="0"/>
@@ -4390,20 +4412,20 @@
     </p:spTree>
     <p:extLst>
       <p:ext uri="{BB962C8B-B14F-4D97-AF65-F5344CB8AC3E}">
-        <p14:creationId xmlns:p14="http://schemas.microsoft.com/office/powerpoint/2010/main" val="1226334537"/>
+        <p14:creationId xmlns:p14="http://schemas.microsoft.com/office/powerpoint/2010/main" xmlns:p="http://schemas.openxmlformats.org/presentationml/2006/main" xmlns:r="http://schemas.openxmlformats.org/officeDocument/2006/relationships" xmlns:a="http://schemas.openxmlformats.org/drawingml/2006/main" xmlns="" val="1226334537"/>
       </p:ext>
     </p:extLst>
   </p:cSld>
   <p:clrMapOvr>
     <a:masterClrMapping/>
   </p:clrMapOvr>
-  <mc:AlternateContent xmlns:mc="http://schemas.openxmlformats.org/markup-compatibility/2006" xmlns:p14="http://schemas.microsoft.com/office/powerpoint/2010/main">
-    <mc:Choice Requires="p14">
+  <mc:AlternateContent>
+    <mc:Choice xmlns:mc="http://schemas.openxmlformats.org/markup-compatibility/2006" xmlns:p14="http://schemas.microsoft.com/office/powerpoint/2010/main" xmlns:p="http://schemas.openxmlformats.org/presentationml/2006/main" xmlns:r="http://schemas.openxmlformats.org/officeDocument/2006/relationships" xmlns:a="http://schemas.openxmlformats.org/drawingml/2006/main" xmlns="" Requires="p14">
       <p:transition spd="med" p14:dur="700">
         <p:fade/>
       </p:transition>
     </mc:Choice>
-    <mc:Fallback xmlns="">
+    <mc:Fallback>
       <p:transition spd="med">
         <p:fade/>
       </p:transition>
@@ -4420,7 +4442,7 @@
 </file>
 
 <file path=ppt/slideLayouts/slideLayout18.xml><?xml version="1.0" encoding="utf-8"?>
-<p:sldLayout xmlns:a="http://schemas.openxmlformats.org/drawingml/2006/main" xmlns:r="http://schemas.openxmlformats.org/officeDocument/2006/relationships" xmlns:p="http://schemas.openxmlformats.org/presentationml/2006/main" preserve="1">
+<p:sldLayout xmlns:a="http://schemas.openxmlformats.org/drawingml/2006/main" xmlns:r="http://schemas.openxmlformats.org/officeDocument/2006/relationships" xmlns:mc="http://schemas.openxmlformats.org/markup-compatibility/2006" xmlns:mv="urn:schemas-microsoft-com:mac:vml" xmlns:p="http://schemas.openxmlformats.org/presentationml/2006/main" mc:Ignorable="mv" mc:PreserveAttributes="mv:*" preserve="1">
   <p:cSld name="Quadrant for Infographics">
     <p:spTree>
       <p:nvGrpSpPr>
@@ -4453,7 +4475,8 @@
           <a:p>
             <a:fld id="{E3544A47-5E58-44F0-8793-215E1322B095}" type="datetime1">
               <a:rPr lang="en-US" smtClean="0"/>
-              <a:t>2/1/2016</a:t>
+              <a:pPr/>
+              <a:t>2/1/16</a:t>
             </a:fld>
             <a:endParaRPr dirty="0"/>
           </a:p>
@@ -4499,6 +4522,7 @@
           <a:p>
             <a:fld id="{C51EAA63-D034-42AE-91FA-B13B9518C7BE}" type="slidenum">
               <a:rPr/>
+              <a:pPr/>
               <a:t>‹#›</a:t>
             </a:fld>
             <a:endParaRPr dirty="0"/>
@@ -5015,20 +5039,20 @@
     </p:spTree>
     <p:extLst>
       <p:ext uri="{BB962C8B-B14F-4D97-AF65-F5344CB8AC3E}">
-        <p14:creationId xmlns:p14="http://schemas.microsoft.com/office/powerpoint/2010/main" val="2428125018"/>
+        <p14:creationId xmlns:p14="http://schemas.microsoft.com/office/powerpoint/2010/main" xmlns:p="http://schemas.openxmlformats.org/presentationml/2006/main" xmlns:r="http://schemas.openxmlformats.org/officeDocument/2006/relationships" xmlns:a="http://schemas.openxmlformats.org/drawingml/2006/main" xmlns="" val="2428125018"/>
       </p:ext>
     </p:extLst>
   </p:cSld>
   <p:clrMapOvr>
     <a:masterClrMapping/>
   </p:clrMapOvr>
-  <mc:AlternateContent xmlns:mc="http://schemas.openxmlformats.org/markup-compatibility/2006" xmlns:p14="http://schemas.microsoft.com/office/powerpoint/2010/main">
-    <mc:Choice Requires="p14">
+  <mc:AlternateContent>
+    <mc:Choice xmlns:mc="http://schemas.openxmlformats.org/markup-compatibility/2006" xmlns:p14="http://schemas.microsoft.com/office/powerpoint/2010/main" xmlns:p="http://schemas.openxmlformats.org/presentationml/2006/main" xmlns:r="http://schemas.openxmlformats.org/officeDocument/2006/relationships" xmlns:a="http://schemas.openxmlformats.org/drawingml/2006/main" xmlns="" Requires="p14">
       <p:transition spd="med" p14:dur="700">
         <p:fade/>
       </p:transition>
     </mc:Choice>
-    <mc:Fallback xmlns="">
+    <mc:Fallback>
       <p:transition spd="med">
         <p:fade/>
       </p:transition>
@@ -5045,7 +5069,7 @@
 </file>
 
 <file path=ppt/slideLayouts/slideLayout19.xml><?xml version="1.0" encoding="utf-8"?>
-<p:sldLayout xmlns:a="http://schemas.openxmlformats.org/drawingml/2006/main" xmlns:r="http://schemas.openxmlformats.org/officeDocument/2006/relationships" xmlns:p="http://schemas.openxmlformats.org/presentationml/2006/main" preserve="1">
+<p:sldLayout xmlns:a="http://schemas.openxmlformats.org/drawingml/2006/main" xmlns:r="http://schemas.openxmlformats.org/officeDocument/2006/relationships" xmlns:mc="http://schemas.openxmlformats.org/markup-compatibility/2006" xmlns:mv="urn:schemas-microsoft-com:mac:vml" xmlns:p="http://schemas.openxmlformats.org/presentationml/2006/main" mc:Ignorable="mv" mc:PreserveAttributes="mv:*" preserve="1">
   <p:cSld name="Metric">
     <p:spTree>
       <p:nvGrpSpPr>
@@ -5181,7 +5205,8 @@
           <a:p>
             <a:fld id="{3D785DD0-4F1A-43BB-A73D-373671D64722}" type="datetime1">
               <a:rPr lang="en-US" smtClean="0"/>
-              <a:t>2/1/2016</a:t>
+              <a:pPr/>
+              <a:t>2/1/16</a:t>
             </a:fld>
             <a:endParaRPr dirty="0"/>
           </a:p>
@@ -5227,6 +5252,7 @@
           <a:p>
             <a:fld id="{C51EAA63-D034-42AE-91FA-B13B9518C7BE}" type="slidenum">
               <a:rPr/>
+              <a:pPr/>
               <a:t>‹#›</a:t>
             </a:fld>
             <a:endParaRPr dirty="0"/>
@@ -5272,20 +5298,20 @@
     </p:spTree>
     <p:extLst>
       <p:ext uri="{BB962C8B-B14F-4D97-AF65-F5344CB8AC3E}">
-        <p14:creationId xmlns:p14="http://schemas.microsoft.com/office/powerpoint/2010/main" val="3739386509"/>
+        <p14:creationId xmlns:p14="http://schemas.microsoft.com/office/powerpoint/2010/main" xmlns:p="http://schemas.openxmlformats.org/presentationml/2006/main" xmlns:r="http://schemas.openxmlformats.org/officeDocument/2006/relationships" xmlns:a="http://schemas.openxmlformats.org/drawingml/2006/main" xmlns="" val="3739386509"/>
       </p:ext>
     </p:extLst>
   </p:cSld>
   <p:clrMapOvr>
     <a:masterClrMapping/>
   </p:clrMapOvr>
-  <mc:AlternateContent xmlns:mc="http://schemas.openxmlformats.org/markup-compatibility/2006" xmlns:p14="http://schemas.microsoft.com/office/powerpoint/2010/main">
-    <mc:Choice Requires="p14">
+  <mc:AlternateContent>
+    <mc:Choice xmlns:mc="http://schemas.openxmlformats.org/markup-compatibility/2006" xmlns:p14="http://schemas.microsoft.com/office/powerpoint/2010/main" xmlns:p="http://schemas.openxmlformats.org/presentationml/2006/main" xmlns:r="http://schemas.openxmlformats.org/officeDocument/2006/relationships" xmlns:a="http://schemas.openxmlformats.org/drawingml/2006/main" xmlns="" Requires="p14">
       <p:transition spd="med" p14:dur="700">
         <p:fade/>
       </p:transition>
     </mc:Choice>
-    <mc:Fallback xmlns="">
+    <mc:Fallback>
       <p:transition spd="med">
         <p:fade/>
       </p:transition>
@@ -5302,7 +5328,7 @@
 </file>
 
 <file path=ppt/slideLayouts/slideLayout2.xml><?xml version="1.0" encoding="utf-8"?>
-<p:sldLayout xmlns:a="http://schemas.openxmlformats.org/drawingml/2006/main" xmlns:r="http://schemas.openxmlformats.org/officeDocument/2006/relationships" xmlns:p="http://schemas.openxmlformats.org/presentationml/2006/main" showMasterSp="0" type="title" preserve="1">
+<p:sldLayout xmlns:a="http://schemas.openxmlformats.org/drawingml/2006/main" xmlns:r="http://schemas.openxmlformats.org/officeDocument/2006/relationships" xmlns:mc="http://schemas.openxmlformats.org/markup-compatibility/2006" xmlns:mv="urn:schemas-microsoft-com:mac:vml" xmlns:p="http://schemas.openxmlformats.org/presentationml/2006/main" mc:Ignorable="mv" mc:PreserveAttributes="mv:*" showMasterSp="0" type="title" preserve="1">
   <p:cSld name="Title Slide">
     <p:bg>
       <p:bgPr>
@@ -5508,7 +5534,8 @@
           <a:p>
             <a:fld id="{4B99BC5B-6184-42B4-A25A-28CEB217F020}" type="datetime1">
               <a:rPr lang="en-US" smtClean="0"/>
-              <a:t>2/1/2016</a:t>
+              <a:pPr/>
+              <a:t>2/1/16</a:t>
             </a:fld>
             <a:endParaRPr lang="en-US" dirty="0"/>
           </a:p>
@@ -5626,7 +5653,7 @@
       </p:sp>
       <p:pic>
         <p:nvPicPr>
-          <p:cNvPr id="10" name="Picture 9" descr="Oracle logo in white on red staging background" title="Oracle red badge logo"/>
+          <p:cNvPr id="10" name="Picture 9" descr="Oracle logo in white on red staging background"/>
           <p:cNvPicPr>
             <a:picLocks noChangeAspect="1"/>
           </p:cNvPicPr>
@@ -5636,7 +5663,7 @@
           <a:blip r:embed="rId2">
             <a:extLst>
               <a:ext uri="{28A0092B-C50C-407E-A947-70E740481C1C}">
-                <a14:useLocalDpi xmlns:a14="http://schemas.microsoft.com/office/drawing/2010/main" val="0"/>
+                <a14:useLocalDpi xmlns:a14="http://schemas.microsoft.com/office/drawing/2010/main" xmlns:p="http://schemas.openxmlformats.org/presentationml/2006/main" xmlns:r="http://schemas.openxmlformats.org/officeDocument/2006/relationships" xmlns:a="http://schemas.openxmlformats.org/drawingml/2006/main" xmlns="" val="0"/>
               </a:ext>
             </a:extLst>
           </a:blip>
@@ -5657,20 +5684,20 @@
     </p:spTree>
     <p:extLst>
       <p:ext uri="{BB962C8B-B14F-4D97-AF65-F5344CB8AC3E}">
-        <p14:creationId xmlns:p14="http://schemas.microsoft.com/office/powerpoint/2010/main" val="2404157434"/>
+        <p14:creationId xmlns:p14="http://schemas.microsoft.com/office/powerpoint/2010/main" xmlns:p="http://schemas.openxmlformats.org/presentationml/2006/main" xmlns:r="http://schemas.openxmlformats.org/officeDocument/2006/relationships" xmlns:a="http://schemas.openxmlformats.org/drawingml/2006/main" xmlns="" val="2404157434"/>
       </p:ext>
     </p:extLst>
   </p:cSld>
   <p:clrMapOvr>
     <a:masterClrMapping/>
   </p:clrMapOvr>
-  <mc:AlternateContent xmlns:mc="http://schemas.openxmlformats.org/markup-compatibility/2006" xmlns:p14="http://schemas.microsoft.com/office/powerpoint/2010/main">
-    <mc:Choice Requires="p14">
+  <mc:AlternateContent>
+    <mc:Choice xmlns:mc="http://schemas.openxmlformats.org/markup-compatibility/2006" xmlns:p14="http://schemas.microsoft.com/office/powerpoint/2010/main" xmlns:p="http://schemas.openxmlformats.org/presentationml/2006/main" xmlns:r="http://schemas.openxmlformats.org/officeDocument/2006/relationships" xmlns:a="http://schemas.openxmlformats.org/drawingml/2006/main" xmlns="" Requires="p14">
       <p:transition spd="med" p14:dur="700">
         <p:fade/>
       </p:transition>
     </mc:Choice>
-    <mc:Fallback xmlns="">
+    <mc:Fallback>
       <p:transition spd="med">
         <p:fade/>
       </p:transition>
@@ -5687,7 +5714,7 @@
 </file>
 
 <file path=ppt/slideLayouts/slideLayout20.xml><?xml version="1.0" encoding="utf-8"?>
-<p:sldLayout xmlns:a="http://schemas.openxmlformats.org/drawingml/2006/main" xmlns:r="http://schemas.openxmlformats.org/officeDocument/2006/relationships" xmlns:p="http://schemas.openxmlformats.org/presentationml/2006/main" preserve="1">
+<p:sldLayout xmlns:a="http://schemas.openxmlformats.org/drawingml/2006/main" xmlns:r="http://schemas.openxmlformats.org/officeDocument/2006/relationships" xmlns:mc="http://schemas.openxmlformats.org/markup-compatibility/2006" xmlns:mv="urn:schemas-microsoft-com:mac:vml" xmlns:p="http://schemas.openxmlformats.org/presentationml/2006/main" mc:Ignorable="mv" mc:PreserveAttributes="mv:*" preserve="1">
   <p:cSld name="Comparison">
     <p:spTree>
       <p:nvGrpSpPr>
@@ -6070,7 +6097,8 @@
           <a:p>
             <a:fld id="{A170DA4C-0C51-4200-9463-DD6B0C59EC18}" type="datetime1">
               <a:rPr lang="en-US" smtClean="0"/>
-              <a:t>2/1/2016</a:t>
+              <a:pPr/>
+              <a:t>2/1/16</a:t>
             </a:fld>
             <a:endParaRPr dirty="0"/>
           </a:p>
@@ -6116,6 +6144,7 @@
           <a:p>
             <a:fld id="{C51EAA63-D034-42AE-91FA-B13B9518C7BE}" type="slidenum">
               <a:rPr/>
+              <a:pPr/>
               <a:t>‹#›</a:t>
             </a:fld>
             <a:endParaRPr dirty="0"/>
@@ -6148,20 +6177,20 @@
     </p:spTree>
     <p:extLst>
       <p:ext uri="{BB962C8B-B14F-4D97-AF65-F5344CB8AC3E}">
-        <p14:creationId xmlns:p14="http://schemas.microsoft.com/office/powerpoint/2010/main" val="3787001877"/>
+        <p14:creationId xmlns:p14="http://schemas.microsoft.com/office/powerpoint/2010/main" xmlns:p="http://schemas.openxmlformats.org/presentationml/2006/main" xmlns:r="http://schemas.openxmlformats.org/officeDocument/2006/relationships" xmlns:a="http://schemas.openxmlformats.org/drawingml/2006/main" xmlns="" val="3787001877"/>
       </p:ext>
     </p:extLst>
   </p:cSld>
   <p:clrMapOvr>
     <a:masterClrMapping/>
   </p:clrMapOvr>
-  <mc:AlternateContent xmlns:mc="http://schemas.openxmlformats.org/markup-compatibility/2006" xmlns:p14="http://schemas.microsoft.com/office/powerpoint/2010/main">
-    <mc:Choice Requires="p14">
+  <mc:AlternateContent>
+    <mc:Choice xmlns:mc="http://schemas.openxmlformats.org/markup-compatibility/2006" xmlns:p14="http://schemas.microsoft.com/office/powerpoint/2010/main" xmlns:p="http://schemas.openxmlformats.org/presentationml/2006/main" xmlns:r="http://schemas.openxmlformats.org/officeDocument/2006/relationships" xmlns:a="http://schemas.openxmlformats.org/drawingml/2006/main" xmlns="" Requires="p14">
       <p:transition spd="med" p14:dur="700">
         <p:fade/>
       </p:transition>
     </mc:Choice>
-    <mc:Fallback xmlns="">
+    <mc:Fallback>
       <p:transition spd="med">
         <p:fade/>
       </p:transition>
@@ -6178,7 +6207,7 @@
 </file>
 
 <file path=ppt/slideLayouts/slideLayout21.xml><?xml version="1.0" encoding="utf-8"?>
-<p:sldLayout xmlns:a="http://schemas.openxmlformats.org/drawingml/2006/main" xmlns:r="http://schemas.openxmlformats.org/officeDocument/2006/relationships" xmlns:p="http://schemas.openxmlformats.org/presentationml/2006/main" preserve="1" userDrawn="1">
+<p:sldLayout xmlns:a="http://schemas.openxmlformats.org/drawingml/2006/main" xmlns:r="http://schemas.openxmlformats.org/officeDocument/2006/relationships" xmlns:mc="http://schemas.openxmlformats.org/markup-compatibility/2006" xmlns:mv="urn:schemas-microsoft-com:mac:vml" xmlns:p="http://schemas.openxmlformats.org/presentationml/2006/main" mc:Ignorable="mv" mc:PreserveAttributes="mv:*" preserve="1" userDrawn="1">
   <p:cSld name="Title-Only">
     <p:spTree>
       <p:nvGrpSpPr>
@@ -6211,7 +6240,8 @@
           <a:p>
             <a:fld id="{44C1A144-B0B7-4402-9A43-963560706671}" type="datetime1">
               <a:rPr lang="en-US" smtClean="0"/>
-              <a:t>2/1/2016</a:t>
+              <a:pPr/>
+              <a:t>2/1/16</a:t>
             </a:fld>
             <a:endParaRPr dirty="0"/>
           </a:p>
@@ -6257,6 +6287,7 @@
           <a:p>
             <a:fld id="{C51EAA63-D034-42AE-91FA-B13B9518C7BE}" type="slidenum">
               <a:rPr/>
+              <a:pPr/>
               <a:t>‹#›</a:t>
             </a:fld>
             <a:endParaRPr dirty="0"/>
@@ -6289,20 +6320,20 @@
     </p:spTree>
     <p:extLst>
       <p:ext uri="{BB962C8B-B14F-4D97-AF65-F5344CB8AC3E}">
-        <p14:creationId xmlns:p14="http://schemas.microsoft.com/office/powerpoint/2010/main" val="3337699384"/>
+        <p14:creationId xmlns:p14="http://schemas.microsoft.com/office/powerpoint/2010/main" xmlns:p="http://schemas.openxmlformats.org/presentationml/2006/main" xmlns:r="http://schemas.openxmlformats.org/officeDocument/2006/relationships" xmlns:a="http://schemas.openxmlformats.org/drawingml/2006/main" xmlns="" val="3337699384"/>
       </p:ext>
     </p:extLst>
   </p:cSld>
   <p:clrMapOvr>
     <a:masterClrMapping/>
   </p:clrMapOvr>
-  <mc:AlternateContent xmlns:mc="http://schemas.openxmlformats.org/markup-compatibility/2006" xmlns:p14="http://schemas.microsoft.com/office/powerpoint/2010/main">
-    <mc:Choice Requires="p14">
+  <mc:AlternateContent>
+    <mc:Choice xmlns:mc="http://schemas.openxmlformats.org/markup-compatibility/2006" xmlns:p14="http://schemas.microsoft.com/office/powerpoint/2010/main" xmlns:p="http://schemas.openxmlformats.org/presentationml/2006/main" xmlns:r="http://schemas.openxmlformats.org/officeDocument/2006/relationships" xmlns:a="http://schemas.openxmlformats.org/drawingml/2006/main" xmlns="" Requires="p14">
       <p:transition spd="med" p14:dur="700">
         <p:fade/>
       </p:transition>
     </mc:Choice>
-    <mc:Fallback xmlns="">
+    <mc:Fallback>
       <p:transition spd="med">
         <p:fade/>
       </p:transition>
@@ -6319,7 +6350,7 @@
 </file>
 
 <file path=ppt/slideLayouts/slideLayout22.xml><?xml version="1.0" encoding="utf-8"?>
-<p:sldLayout xmlns:a="http://schemas.openxmlformats.org/drawingml/2006/main" xmlns:r="http://schemas.openxmlformats.org/officeDocument/2006/relationships" xmlns:p="http://schemas.openxmlformats.org/presentationml/2006/main" preserve="1">
+<p:sldLayout xmlns:a="http://schemas.openxmlformats.org/drawingml/2006/main" xmlns:r="http://schemas.openxmlformats.org/officeDocument/2006/relationships" xmlns:mc="http://schemas.openxmlformats.org/markup-compatibility/2006" xmlns:mv="urn:schemas-microsoft-com:mac:vml" xmlns:p="http://schemas.openxmlformats.org/presentationml/2006/main" mc:Ignorable="mv" mc:PreserveAttributes="mv:*" preserve="1">
   <p:cSld name="Title and Subtitle">
     <p:spTree>
       <p:nvGrpSpPr>
@@ -6352,7 +6383,8 @@
           <a:p>
             <a:fld id="{F8FC0DF1-B23F-4D11-9286-C7E1F49E5714}" type="datetime1">
               <a:rPr lang="en-US" smtClean="0"/>
-              <a:t>2/1/2016</a:t>
+              <a:pPr/>
+              <a:t>2/1/16</a:t>
             </a:fld>
             <a:endParaRPr dirty="0"/>
           </a:p>
@@ -6398,6 +6430,7 @@
           <a:p>
             <a:fld id="{C51EAA63-D034-42AE-91FA-B13B9518C7BE}" type="slidenum">
               <a:rPr/>
+              <a:pPr/>
               <a:t>‹#›</a:t>
             </a:fld>
             <a:endParaRPr dirty="0"/>
@@ -6509,20 +6542,20 @@
     </p:spTree>
     <p:extLst>
       <p:ext uri="{BB962C8B-B14F-4D97-AF65-F5344CB8AC3E}">
-        <p14:creationId xmlns:p14="http://schemas.microsoft.com/office/powerpoint/2010/main" val="4163620386"/>
+        <p14:creationId xmlns:p14="http://schemas.microsoft.com/office/powerpoint/2010/main" xmlns:p="http://schemas.openxmlformats.org/presentationml/2006/main" xmlns:r="http://schemas.openxmlformats.org/officeDocument/2006/relationships" xmlns:a="http://schemas.openxmlformats.org/drawingml/2006/main" xmlns="" val="4163620386"/>
       </p:ext>
     </p:extLst>
   </p:cSld>
   <p:clrMapOvr>
     <a:masterClrMapping/>
   </p:clrMapOvr>
-  <mc:AlternateContent xmlns:mc="http://schemas.openxmlformats.org/markup-compatibility/2006" xmlns:p14="http://schemas.microsoft.com/office/powerpoint/2010/main">
-    <mc:Choice Requires="p14">
+  <mc:AlternateContent>
+    <mc:Choice xmlns:mc="http://schemas.openxmlformats.org/markup-compatibility/2006" xmlns:p14="http://schemas.microsoft.com/office/powerpoint/2010/main" xmlns:p="http://schemas.openxmlformats.org/presentationml/2006/main" xmlns:r="http://schemas.openxmlformats.org/officeDocument/2006/relationships" xmlns:a="http://schemas.openxmlformats.org/drawingml/2006/main" xmlns="" Requires="p14">
       <p:transition spd="med" p14:dur="700">
         <p:fade/>
       </p:transition>
     </mc:Choice>
-    <mc:Fallback xmlns="">
+    <mc:Fallback>
       <p:transition spd="med">
         <p:fade/>
       </p:transition>
@@ -6532,7 +6565,7 @@
 </file>
 
 <file path=ppt/slideLayouts/slideLayout23.xml><?xml version="1.0" encoding="utf-8"?>
-<p:sldLayout xmlns:a="http://schemas.openxmlformats.org/drawingml/2006/main" xmlns:r="http://schemas.openxmlformats.org/officeDocument/2006/relationships" xmlns:p="http://schemas.openxmlformats.org/presentationml/2006/main" type="blank" preserve="1">
+<p:sldLayout xmlns:a="http://schemas.openxmlformats.org/drawingml/2006/main" xmlns:r="http://schemas.openxmlformats.org/officeDocument/2006/relationships" xmlns:mc="http://schemas.openxmlformats.org/markup-compatibility/2006" xmlns:mv="urn:schemas-microsoft-com:mac:vml" xmlns:p="http://schemas.openxmlformats.org/presentationml/2006/main" mc:Ignorable="mv" mc:PreserveAttributes="mv:*" type="blank" preserve="1">
   <p:cSld name="Blank">
     <p:spTree>
       <p:nvGrpSpPr>
@@ -6565,7 +6598,8 @@
           <a:p>
             <a:fld id="{6CB1374E-AC6A-48E7-B972-1364D86AFBEF}" type="datetime1">
               <a:rPr lang="en-US" smtClean="0"/>
-              <a:t>2/1/2016</a:t>
+              <a:pPr/>
+              <a:t>2/1/16</a:t>
             </a:fld>
             <a:endParaRPr dirty="0"/>
           </a:p>
@@ -6611,6 +6645,7 @@
           <a:p>
             <a:fld id="{C51EAA63-D034-42AE-91FA-B13B9518C7BE}" type="slidenum">
               <a:rPr/>
+              <a:pPr/>
               <a:t>‹#›</a:t>
             </a:fld>
             <a:endParaRPr dirty="0"/>
@@ -6620,20 +6655,20 @@
     </p:spTree>
     <p:extLst>
       <p:ext uri="{BB962C8B-B14F-4D97-AF65-F5344CB8AC3E}">
-        <p14:creationId xmlns:p14="http://schemas.microsoft.com/office/powerpoint/2010/main" val="3608229342"/>
+        <p14:creationId xmlns:p14="http://schemas.microsoft.com/office/powerpoint/2010/main" xmlns:p="http://schemas.openxmlformats.org/presentationml/2006/main" xmlns:r="http://schemas.openxmlformats.org/officeDocument/2006/relationships" xmlns:a="http://schemas.openxmlformats.org/drawingml/2006/main" xmlns="" val="3608229342"/>
       </p:ext>
     </p:extLst>
   </p:cSld>
   <p:clrMapOvr>
     <a:masterClrMapping/>
   </p:clrMapOvr>
-  <mc:AlternateContent xmlns:mc="http://schemas.openxmlformats.org/markup-compatibility/2006" xmlns:p14="http://schemas.microsoft.com/office/powerpoint/2010/main">
-    <mc:Choice Requires="p14">
+  <mc:AlternateContent>
+    <mc:Choice xmlns:mc="http://schemas.openxmlformats.org/markup-compatibility/2006" xmlns:p14="http://schemas.microsoft.com/office/powerpoint/2010/main" xmlns:p="http://schemas.openxmlformats.org/presentationml/2006/main" xmlns:r="http://schemas.openxmlformats.org/officeDocument/2006/relationships" xmlns:a="http://schemas.openxmlformats.org/drawingml/2006/main" xmlns="" Requires="p14">
       <p:transition spd="med" p14:dur="700">
         <p:fade/>
       </p:transition>
     </mc:Choice>
-    <mc:Fallback xmlns="">
+    <mc:Fallback>
       <p:transition spd="med">
         <p:fade/>
       </p:transition>
@@ -6650,7 +6685,7 @@
 </file>
 
 <file path=ppt/slideLayouts/slideLayout24.xml><?xml version="1.0" encoding="utf-8"?>
-<p:sldLayout xmlns:a="http://schemas.openxmlformats.org/drawingml/2006/main" xmlns:r="http://schemas.openxmlformats.org/officeDocument/2006/relationships" xmlns:p="http://schemas.openxmlformats.org/presentationml/2006/main" preserve="1">
+<p:sldLayout xmlns:a="http://schemas.openxmlformats.org/drawingml/2006/main" xmlns:r="http://schemas.openxmlformats.org/officeDocument/2006/relationships" xmlns:mc="http://schemas.openxmlformats.org/markup-compatibility/2006" xmlns:mv="urn:schemas-microsoft-com:mac:vml" xmlns:p="http://schemas.openxmlformats.org/presentationml/2006/main" mc:Ignorable="mv" mc:PreserveAttributes="mv:*" preserve="1">
   <p:cSld name="Content with Caption">
     <p:spTree>
       <p:nvGrpSpPr>
@@ -6837,7 +6872,8 @@
           <a:p>
             <a:fld id="{5C7FCEF2-9BBA-48DF-8FDA-9B4D2C7C4223}" type="datetime1">
               <a:rPr lang="en-US" smtClean="0"/>
-              <a:t>2/1/2016</a:t>
+              <a:pPr/>
+              <a:t>2/1/16</a:t>
             </a:fld>
             <a:endParaRPr dirty="0"/>
           </a:p>
@@ -6883,6 +6919,7 @@
           <a:p>
             <a:fld id="{C51EAA63-D034-42AE-91FA-B13B9518C7BE}" type="slidenum">
               <a:rPr/>
+              <a:pPr/>
               <a:t>‹#›</a:t>
             </a:fld>
             <a:endParaRPr dirty="0"/>
@@ -6915,20 +6952,20 @@
     </p:spTree>
     <p:extLst>
       <p:ext uri="{BB962C8B-B14F-4D97-AF65-F5344CB8AC3E}">
-        <p14:creationId xmlns:p14="http://schemas.microsoft.com/office/powerpoint/2010/main" val="3457850703"/>
+        <p14:creationId xmlns:p14="http://schemas.microsoft.com/office/powerpoint/2010/main" xmlns:p="http://schemas.openxmlformats.org/presentationml/2006/main" xmlns:r="http://schemas.openxmlformats.org/officeDocument/2006/relationships" xmlns:a="http://schemas.openxmlformats.org/drawingml/2006/main" xmlns="" val="3457850703"/>
       </p:ext>
     </p:extLst>
   </p:cSld>
   <p:clrMapOvr>
     <a:masterClrMapping/>
   </p:clrMapOvr>
-  <mc:AlternateContent xmlns:mc="http://schemas.openxmlformats.org/markup-compatibility/2006" xmlns:p14="http://schemas.microsoft.com/office/powerpoint/2010/main">
-    <mc:Choice Requires="p14">
+  <mc:AlternateContent>
+    <mc:Choice xmlns:mc="http://schemas.openxmlformats.org/markup-compatibility/2006" xmlns:p14="http://schemas.microsoft.com/office/powerpoint/2010/main" xmlns:p="http://schemas.openxmlformats.org/presentationml/2006/main" xmlns:r="http://schemas.openxmlformats.org/officeDocument/2006/relationships" xmlns:a="http://schemas.openxmlformats.org/drawingml/2006/main" xmlns="" Requires="p14">
       <p:transition spd="med" p14:dur="700">
         <p:fade/>
       </p:transition>
     </mc:Choice>
-    <mc:Fallback xmlns="">
+    <mc:Fallback>
       <p:transition spd="med">
         <p:fade/>
       </p:transition>
@@ -6945,7 +6982,7 @@
 </file>
 
 <file path=ppt/slideLayouts/slideLayout25.xml><?xml version="1.0" encoding="utf-8"?>
-<p:sldLayout xmlns:a="http://schemas.openxmlformats.org/drawingml/2006/main" xmlns:r="http://schemas.openxmlformats.org/officeDocument/2006/relationships" xmlns:p="http://schemas.openxmlformats.org/presentationml/2006/main" preserve="1">
+<p:sldLayout xmlns:a="http://schemas.openxmlformats.org/drawingml/2006/main" xmlns:r="http://schemas.openxmlformats.org/officeDocument/2006/relationships" xmlns:mc="http://schemas.openxmlformats.org/markup-compatibility/2006" xmlns:mv="urn:schemas-microsoft-com:mac:vml" xmlns:p="http://schemas.openxmlformats.org/presentationml/2006/main" mc:Ignorable="mv" mc:PreserveAttributes="mv:*" preserve="1">
   <p:cSld name="Picture with Caption">
     <p:spTree>
       <p:nvGrpSpPr>
@@ -7115,7 +7152,8 @@
           <a:p>
             <a:fld id="{E75A1747-B611-4149-BC9F-4EF5328DD584}" type="datetime1">
               <a:rPr lang="en-US" smtClean="0"/>
-              <a:t>2/1/2016</a:t>
+              <a:pPr/>
+              <a:t>2/1/16</a:t>
             </a:fld>
             <a:endParaRPr dirty="0"/>
           </a:p>
@@ -7161,6 +7199,7 @@
           <a:p>
             <a:fld id="{C51EAA63-D034-42AE-91FA-B13B9518C7BE}" type="slidenum">
               <a:rPr/>
+              <a:pPr/>
               <a:t>‹#›</a:t>
             </a:fld>
             <a:endParaRPr dirty="0"/>
@@ -7193,20 +7232,20 @@
     </p:spTree>
     <p:extLst>
       <p:ext uri="{BB962C8B-B14F-4D97-AF65-F5344CB8AC3E}">
-        <p14:creationId xmlns:p14="http://schemas.microsoft.com/office/powerpoint/2010/main" val="3058274766"/>
+        <p14:creationId xmlns:p14="http://schemas.microsoft.com/office/powerpoint/2010/main" xmlns:p="http://schemas.openxmlformats.org/presentationml/2006/main" xmlns:r="http://schemas.openxmlformats.org/officeDocument/2006/relationships" xmlns:a="http://schemas.openxmlformats.org/drawingml/2006/main" xmlns="" val="3058274766"/>
       </p:ext>
     </p:extLst>
   </p:cSld>
   <p:clrMapOvr>
     <a:masterClrMapping/>
   </p:clrMapOvr>
-  <mc:AlternateContent xmlns:mc="http://schemas.openxmlformats.org/markup-compatibility/2006" xmlns:p14="http://schemas.microsoft.com/office/powerpoint/2010/main">
-    <mc:Choice Requires="p14">
+  <mc:AlternateContent>
+    <mc:Choice xmlns:mc="http://schemas.openxmlformats.org/markup-compatibility/2006" xmlns:p14="http://schemas.microsoft.com/office/powerpoint/2010/main" xmlns:p="http://schemas.openxmlformats.org/presentationml/2006/main" xmlns:r="http://schemas.openxmlformats.org/officeDocument/2006/relationships" xmlns:a="http://schemas.openxmlformats.org/drawingml/2006/main" xmlns="" Requires="p14">
       <p:transition spd="med" p14:dur="700">
         <p:fade/>
       </p:transition>
     </mc:Choice>
-    <mc:Fallback xmlns="">
+    <mc:Fallback>
       <p:transition spd="med">
         <p:fade/>
       </p:transition>
@@ -7216,7 +7255,7 @@
 </file>
 
 <file path=ppt/slideLayouts/slideLayout26.xml><?xml version="1.0" encoding="utf-8"?>
-<p:sldLayout xmlns:a="http://schemas.openxmlformats.org/drawingml/2006/main" xmlns:r="http://schemas.openxmlformats.org/officeDocument/2006/relationships" xmlns:p="http://schemas.openxmlformats.org/presentationml/2006/main" preserve="1">
+<p:sldLayout xmlns:a="http://schemas.openxmlformats.org/drawingml/2006/main" xmlns:r="http://schemas.openxmlformats.org/officeDocument/2006/relationships" xmlns:mc="http://schemas.openxmlformats.org/markup-compatibility/2006" xmlns:mv="urn:schemas-microsoft-com:mac:vml" xmlns:p="http://schemas.openxmlformats.org/presentationml/2006/main" mc:Ignorable="mv" mc:PreserveAttributes="mv:*" preserve="1">
   <p:cSld name="Two Pictures with Captions">
     <p:spTree>
       <p:nvGrpSpPr>
@@ -7422,7 +7461,8 @@
           <a:p>
             <a:fld id="{18F8C779-BA94-4E3E-83C5-FAE66925819D}" type="datetime1">
               <a:rPr lang="en-US" smtClean="0"/>
-              <a:t>2/1/2016</a:t>
+              <a:pPr/>
+              <a:t>2/1/16</a:t>
             </a:fld>
             <a:endParaRPr dirty="0"/>
           </a:p>
@@ -7468,6 +7508,7 @@
           <a:p>
             <a:fld id="{C51EAA63-D034-42AE-91FA-B13B9518C7BE}" type="slidenum">
               <a:rPr/>
+              <a:pPr/>
               <a:t>‹#›</a:t>
             </a:fld>
             <a:endParaRPr dirty="0"/>
@@ -7637,20 +7678,20 @@
     </p:spTree>
     <p:extLst>
       <p:ext uri="{BB962C8B-B14F-4D97-AF65-F5344CB8AC3E}">
-        <p14:creationId xmlns:p14="http://schemas.microsoft.com/office/powerpoint/2010/main" val="908982256"/>
+        <p14:creationId xmlns:p14="http://schemas.microsoft.com/office/powerpoint/2010/main" xmlns:p="http://schemas.openxmlformats.org/presentationml/2006/main" xmlns:r="http://schemas.openxmlformats.org/officeDocument/2006/relationships" xmlns:a="http://schemas.openxmlformats.org/drawingml/2006/main" xmlns="" val="908982256"/>
       </p:ext>
     </p:extLst>
   </p:cSld>
   <p:clrMapOvr>
     <a:masterClrMapping/>
   </p:clrMapOvr>
-  <mc:AlternateContent xmlns:mc="http://schemas.openxmlformats.org/markup-compatibility/2006" xmlns:p14="http://schemas.microsoft.com/office/powerpoint/2010/main">
-    <mc:Choice Requires="p14">
+  <mc:AlternateContent>
+    <mc:Choice xmlns:mc="http://schemas.openxmlformats.org/markup-compatibility/2006" xmlns:p14="http://schemas.microsoft.com/office/powerpoint/2010/main" xmlns:p="http://schemas.openxmlformats.org/presentationml/2006/main" xmlns:r="http://schemas.openxmlformats.org/officeDocument/2006/relationships" xmlns:a="http://schemas.openxmlformats.org/drawingml/2006/main" xmlns="" Requires="p14">
       <p:transition spd="med" p14:dur="700">
         <p:fade/>
       </p:transition>
     </mc:Choice>
-    <mc:Fallback xmlns="">
+    <mc:Fallback>
       <p:transition spd="med">
         <p:fade/>
       </p:transition>
@@ -7667,7 +7708,7 @@
 </file>
 
 <file path=ppt/slideLayouts/slideLayout27.xml><?xml version="1.0" encoding="utf-8"?>
-<p:sldLayout xmlns:a="http://schemas.openxmlformats.org/drawingml/2006/main" xmlns:r="http://schemas.openxmlformats.org/officeDocument/2006/relationships" xmlns:p="http://schemas.openxmlformats.org/presentationml/2006/main" preserve="1">
+<p:sldLayout xmlns:a="http://schemas.openxmlformats.org/drawingml/2006/main" xmlns:r="http://schemas.openxmlformats.org/officeDocument/2006/relationships" xmlns:mc="http://schemas.openxmlformats.org/markup-compatibility/2006" xmlns:mv="urn:schemas-microsoft-com:mac:vml" xmlns:p="http://schemas.openxmlformats.org/presentationml/2006/main" mc:Ignorable="mv" mc:PreserveAttributes="mv:*" preserve="1">
   <p:cSld name="Three Pictures with Captions">
     <p:spTree>
       <p:nvGrpSpPr>
@@ -7909,7 +7950,8 @@
           <a:p>
             <a:fld id="{8240DCD1-D4EE-44D3-8D55-3E07F0ACB154}" type="datetime1">
               <a:rPr lang="en-US" smtClean="0"/>
-              <a:t>2/1/2016</a:t>
+              <a:pPr/>
+              <a:t>2/1/16</a:t>
             </a:fld>
             <a:endParaRPr dirty="0"/>
           </a:p>
@@ -7955,6 +7997,7 @@
           <a:p>
             <a:fld id="{C51EAA63-D034-42AE-91FA-B13B9518C7BE}" type="slidenum">
               <a:rPr/>
+              <a:pPr/>
               <a:t>‹#›</a:t>
             </a:fld>
             <a:endParaRPr dirty="0"/>
@@ -8261,20 +8304,20 @@
     </p:spTree>
     <p:extLst>
       <p:ext uri="{BB962C8B-B14F-4D97-AF65-F5344CB8AC3E}">
-        <p14:creationId xmlns:p14="http://schemas.microsoft.com/office/powerpoint/2010/main" val="2790854713"/>
+        <p14:creationId xmlns:p14="http://schemas.microsoft.com/office/powerpoint/2010/main" xmlns:p="http://schemas.openxmlformats.org/presentationml/2006/main" xmlns:r="http://schemas.openxmlformats.org/officeDocument/2006/relationships" xmlns:a="http://schemas.openxmlformats.org/drawingml/2006/main" xmlns="" val="2790854713"/>
       </p:ext>
     </p:extLst>
   </p:cSld>
   <p:clrMapOvr>
     <a:masterClrMapping/>
   </p:clrMapOvr>
-  <mc:AlternateContent xmlns:mc="http://schemas.openxmlformats.org/markup-compatibility/2006" xmlns:p14="http://schemas.microsoft.com/office/powerpoint/2010/main">
-    <mc:Choice Requires="p14">
+  <mc:AlternateContent>
+    <mc:Choice xmlns:mc="http://schemas.openxmlformats.org/markup-compatibility/2006" xmlns:p14="http://schemas.microsoft.com/office/powerpoint/2010/main" xmlns:p="http://schemas.openxmlformats.org/presentationml/2006/main" xmlns:r="http://schemas.openxmlformats.org/officeDocument/2006/relationships" xmlns:a="http://schemas.openxmlformats.org/drawingml/2006/main" xmlns="" Requires="p14">
       <p:transition spd="med" p14:dur="700">
         <p:fade/>
       </p:transition>
     </mc:Choice>
-    <mc:Fallback xmlns="">
+    <mc:Fallback>
       <p:transition spd="med">
         <p:fade/>
       </p:transition>
@@ -8284,7 +8327,7 @@
 </file>
 
 <file path=ppt/slideLayouts/slideLayout28.xml><?xml version="1.0" encoding="utf-8"?>
-<p:sldLayout xmlns:a="http://schemas.openxmlformats.org/drawingml/2006/main" xmlns:r="http://schemas.openxmlformats.org/officeDocument/2006/relationships" xmlns:p="http://schemas.openxmlformats.org/presentationml/2006/main" preserve="1">
+<p:sldLayout xmlns:a="http://schemas.openxmlformats.org/drawingml/2006/main" xmlns:r="http://schemas.openxmlformats.org/officeDocument/2006/relationships" xmlns:mc="http://schemas.openxmlformats.org/markup-compatibility/2006" xmlns:mv="urn:schemas-microsoft-com:mac:vml" xmlns:p="http://schemas.openxmlformats.org/presentationml/2006/main" mc:Ignorable="mv" mc:PreserveAttributes="mv:*" preserve="1">
   <p:cSld name="iOS Smartphone and Tablet: Horizontal">
     <p:spTree>
       <p:nvGrpSpPr>
@@ -8302,7 +8345,7 @@
       </p:grpSpPr>
       <p:pic>
         <p:nvPicPr>
-          <p:cNvPr id="2" name="Picture 1" descr="Photos, screen captures, graphics can be inserted in a white mobile phone and tablet" title="iOS Smartphone and Tablet: Horizontal Layout"/>
+          <p:cNvPr id="2" name="Picture 1" descr="Photos, screen captures, graphics can be inserted in a white mobile phone and tablet"/>
           <p:cNvPicPr>
             <a:picLocks noChangeAspect="1"/>
           </p:cNvPicPr>
@@ -8312,7 +8355,7 @@
           <a:blip r:embed="rId2" cstate="print">
             <a:extLst>
               <a:ext uri="{28A0092B-C50C-407E-A947-70E740481C1C}">
-                <a14:useLocalDpi xmlns:a14="http://schemas.microsoft.com/office/drawing/2010/main" val="0"/>
+                <a14:useLocalDpi xmlns:a14="http://schemas.microsoft.com/office/drawing/2010/main" xmlns:p="http://schemas.openxmlformats.org/presentationml/2006/main" xmlns:r="http://schemas.openxmlformats.org/officeDocument/2006/relationships" xmlns:a="http://schemas.openxmlformats.org/drawingml/2006/main" xmlns="" val="0"/>
               </a:ext>
             </a:extLst>
           </a:blip>
@@ -8342,7 +8385,7 @@
           <a:blip r:embed="rId3" cstate="print">
             <a:extLst>
               <a:ext uri="{28A0092B-C50C-407E-A947-70E740481C1C}">
-                <a14:useLocalDpi xmlns:a14="http://schemas.microsoft.com/office/drawing/2010/main" val="0"/>
+                <a14:useLocalDpi xmlns:a14="http://schemas.microsoft.com/office/drawing/2010/main" xmlns:p="http://schemas.openxmlformats.org/presentationml/2006/main" xmlns:r="http://schemas.openxmlformats.org/officeDocument/2006/relationships" xmlns:a="http://schemas.openxmlformats.org/drawingml/2006/main" xmlns="" val="0"/>
               </a:ext>
             </a:extLst>
           </a:blip>
@@ -8451,7 +8494,8 @@
           <a:p>
             <a:fld id="{0FE8DC00-154E-4C99-9CD3-FBAED5711CAB}" type="datetime1">
               <a:rPr lang="en-US" smtClean="0"/>
-              <a:t>2/1/2016</a:t>
+              <a:pPr/>
+              <a:t>2/1/16</a:t>
             </a:fld>
             <a:endParaRPr dirty="0"/>
           </a:p>
@@ -8497,6 +8541,7 @@
           <a:p>
             <a:fld id="{C51EAA63-D034-42AE-91FA-B13B9518C7BE}" type="slidenum">
               <a:rPr/>
+              <a:pPr/>
               <a:t>‹#›</a:t>
             </a:fld>
             <a:endParaRPr dirty="0"/>
@@ -8604,20 +8649,20 @@
     </p:spTree>
     <p:extLst>
       <p:ext uri="{BB962C8B-B14F-4D97-AF65-F5344CB8AC3E}">
-        <p14:creationId xmlns:p14="http://schemas.microsoft.com/office/powerpoint/2010/main" val="745444510"/>
+        <p14:creationId xmlns:p14="http://schemas.microsoft.com/office/powerpoint/2010/main" xmlns:p="http://schemas.openxmlformats.org/presentationml/2006/main" xmlns:r="http://schemas.openxmlformats.org/officeDocument/2006/relationships" xmlns:a="http://schemas.openxmlformats.org/drawingml/2006/main" xmlns="" val="745444510"/>
       </p:ext>
     </p:extLst>
   </p:cSld>
   <p:clrMapOvr>
     <a:masterClrMapping/>
   </p:clrMapOvr>
-  <mc:AlternateContent xmlns:mc="http://schemas.openxmlformats.org/markup-compatibility/2006" xmlns:p14="http://schemas.microsoft.com/office/powerpoint/2010/main">
-    <mc:Choice Requires="p14">
+  <mc:AlternateContent>
+    <mc:Choice xmlns:mc="http://schemas.openxmlformats.org/markup-compatibility/2006" xmlns:p14="http://schemas.microsoft.com/office/powerpoint/2010/main" xmlns:p="http://schemas.openxmlformats.org/presentationml/2006/main" xmlns:r="http://schemas.openxmlformats.org/officeDocument/2006/relationships" xmlns:a="http://schemas.openxmlformats.org/drawingml/2006/main" xmlns="" Requires="p14">
       <p:transition spd="med" p14:dur="700">
         <p:fade/>
       </p:transition>
     </mc:Choice>
-    <mc:Fallback xmlns="">
+    <mc:Fallback>
       <p:transition spd="med">
         <p:fade/>
       </p:transition>
@@ -8634,7 +8679,7 @@
 </file>
 
 <file path=ppt/slideLayouts/slideLayout29.xml><?xml version="1.0" encoding="utf-8"?>
-<p:sldLayout xmlns:a="http://schemas.openxmlformats.org/drawingml/2006/main" xmlns:r="http://schemas.openxmlformats.org/officeDocument/2006/relationships" xmlns:p="http://schemas.openxmlformats.org/presentationml/2006/main" preserve="1">
+<p:sldLayout xmlns:a="http://schemas.openxmlformats.org/drawingml/2006/main" xmlns:r="http://schemas.openxmlformats.org/officeDocument/2006/relationships" xmlns:mc="http://schemas.openxmlformats.org/markup-compatibility/2006" xmlns:mv="urn:schemas-microsoft-com:mac:vml" xmlns:p="http://schemas.openxmlformats.org/presentationml/2006/main" mc:Ignorable="mv" mc:PreserveAttributes="mv:*" preserve="1">
   <p:cSld name="iOS Smartphone and Tablet: Vertical">
     <p:spTree>
       <p:nvGrpSpPr>
@@ -8662,7 +8707,7 @@
           <a:blip r:embed="rId2" cstate="print">
             <a:extLst>
               <a:ext uri="{28A0092B-C50C-407E-A947-70E740481C1C}">
-                <a14:useLocalDpi xmlns:a14="http://schemas.microsoft.com/office/drawing/2010/main" val="0"/>
+                <a14:useLocalDpi xmlns:a14="http://schemas.microsoft.com/office/drawing/2010/main" xmlns:p="http://schemas.openxmlformats.org/presentationml/2006/main" xmlns:r="http://schemas.openxmlformats.org/officeDocument/2006/relationships" xmlns:a="http://schemas.openxmlformats.org/drawingml/2006/main" xmlns="" val="0"/>
               </a:ext>
             </a:extLst>
           </a:blip>
@@ -8728,7 +8773,8 @@
           <a:p>
             <a:fld id="{1B03D0C9-336F-44E2-9C3D-7232FB7914D8}" type="datetime1">
               <a:rPr lang="en-US" smtClean="0"/>
-              <a:t>2/1/2016</a:t>
+              <a:pPr/>
+              <a:t>2/1/16</a:t>
             </a:fld>
             <a:endParaRPr dirty="0"/>
           </a:p>
@@ -8774,6 +8820,7 @@
           <a:p>
             <a:fld id="{C51EAA63-D034-42AE-91FA-B13B9518C7BE}" type="slidenum">
               <a:rPr/>
+              <a:pPr/>
               <a:t>‹#›</a:t>
             </a:fld>
             <a:endParaRPr dirty="0"/>
@@ -8857,7 +8904,7 @@
       </p:sp>
       <p:pic>
         <p:nvPicPr>
-          <p:cNvPr id="13" name="Picture 12" descr="Photos, screen captures, graphics can be inserted in a white mobile phone and tablet" title="iOS Smartphone and Tablet: Vertical Layout"/>
+          <p:cNvPr id="13" name="Picture 12" descr="Photos, screen captures, graphics can be inserted in a white mobile phone and tablet"/>
           <p:cNvPicPr>
             <a:picLocks noChangeAspect="1"/>
           </p:cNvPicPr>
@@ -8867,7 +8914,7 @@
           <a:blip r:embed="rId3" cstate="print">
             <a:extLst>
               <a:ext uri="{28A0092B-C50C-407E-A947-70E740481C1C}">
-                <a14:useLocalDpi xmlns:a14="http://schemas.microsoft.com/office/drawing/2010/main" val="0"/>
+                <a14:useLocalDpi xmlns:a14="http://schemas.microsoft.com/office/drawing/2010/main" xmlns:p="http://schemas.openxmlformats.org/presentationml/2006/main" xmlns:r="http://schemas.openxmlformats.org/officeDocument/2006/relationships" xmlns:a="http://schemas.openxmlformats.org/drawingml/2006/main" xmlns="" val="0"/>
               </a:ext>
             </a:extLst>
           </a:blip>
@@ -8962,20 +9009,20 @@
     </p:spTree>
     <p:extLst>
       <p:ext uri="{BB962C8B-B14F-4D97-AF65-F5344CB8AC3E}">
-        <p14:creationId xmlns:p14="http://schemas.microsoft.com/office/powerpoint/2010/main" val="2720634047"/>
+        <p14:creationId xmlns:p14="http://schemas.microsoft.com/office/powerpoint/2010/main" xmlns:p="http://schemas.openxmlformats.org/presentationml/2006/main" xmlns:r="http://schemas.openxmlformats.org/officeDocument/2006/relationships" xmlns:a="http://schemas.openxmlformats.org/drawingml/2006/main" xmlns="" val="2720634047"/>
       </p:ext>
     </p:extLst>
   </p:cSld>
   <p:clrMapOvr>
     <a:masterClrMapping/>
   </p:clrMapOvr>
-  <mc:AlternateContent xmlns:mc="http://schemas.openxmlformats.org/markup-compatibility/2006" xmlns:p14="http://schemas.microsoft.com/office/powerpoint/2010/main">
-    <mc:Choice Requires="p14">
+  <mc:AlternateContent>
+    <mc:Choice xmlns:mc="http://schemas.openxmlformats.org/markup-compatibility/2006" xmlns:p14="http://schemas.microsoft.com/office/powerpoint/2010/main" xmlns:p="http://schemas.openxmlformats.org/presentationml/2006/main" xmlns:r="http://schemas.openxmlformats.org/officeDocument/2006/relationships" xmlns:a="http://schemas.openxmlformats.org/drawingml/2006/main" xmlns="" Requires="p14">
       <p:transition spd="med" p14:dur="700">
         <p:fade/>
       </p:transition>
     </mc:Choice>
-    <mc:Fallback xmlns="">
+    <mc:Fallback>
       <p:transition spd="med">
         <p:fade/>
       </p:transition>
@@ -8992,7 +9039,7 @@
 </file>
 
 <file path=ppt/slideLayouts/slideLayout3.xml><?xml version="1.0" encoding="utf-8"?>
-<p:sldLayout xmlns:a="http://schemas.openxmlformats.org/drawingml/2006/main" xmlns:r="http://schemas.openxmlformats.org/officeDocument/2006/relationships" xmlns:p="http://schemas.openxmlformats.org/presentationml/2006/main" showMasterSp="0" preserve="1">
+<p:sldLayout xmlns:a="http://schemas.openxmlformats.org/drawingml/2006/main" xmlns:r="http://schemas.openxmlformats.org/officeDocument/2006/relationships" xmlns:mc="http://schemas.openxmlformats.org/markup-compatibility/2006" xmlns:mv="urn:schemas-microsoft-com:mac:vml" xmlns:p="http://schemas.openxmlformats.org/presentationml/2006/main" mc:Ignorable="mv" mc:PreserveAttributes="mv:*" showMasterSp="0" preserve="1">
   <p:cSld name="Title Slide with Picture">
     <p:bg>
       <p:bgPr>
@@ -9022,7 +9069,7 @@
       </p:grpSpPr>
       <p:sp>
         <p:nvSpPr>
-          <p:cNvPr id="10" name="Rectangle 9" descr="Full slide 4-color photo can be inserted here" title="Title Slide with Picture"/>
+          <p:cNvPr id="10" name="Rectangle 9" descr="Full slide 4-color photo can be inserted here"/>
           <p:cNvSpPr/>
           <p:nvPr/>
         </p:nvSpPr>
@@ -9329,7 +9376,8 @@
           <a:p>
             <a:fld id="{168739A5-8F7C-4D2D-94F3-87FE7A380BF3}" type="datetime1">
               <a:rPr lang="en-US" smtClean="0"/>
-              <a:t>2/1/2016</a:t>
+              <a:pPr/>
+              <a:t>2/1/16</a:t>
             </a:fld>
             <a:endParaRPr lang="en-US" dirty="0"/>
           </a:p>
@@ -9447,7 +9495,7 @@
       </p:sp>
       <p:pic>
         <p:nvPicPr>
-          <p:cNvPr id="11" name="Picture 10" descr="Oracle logo in white on red staging background" title="Oracle red badge logo"/>
+          <p:cNvPr id="11" name="Picture 10" descr="Oracle logo in white on red staging background"/>
           <p:cNvPicPr>
             <a:picLocks noChangeAspect="1"/>
           </p:cNvPicPr>
@@ -9457,7 +9505,7 @@
           <a:blip r:embed="rId3">
             <a:extLst>
               <a:ext uri="{28A0092B-C50C-407E-A947-70E740481C1C}">
-                <a14:useLocalDpi xmlns:a14="http://schemas.microsoft.com/office/drawing/2010/main" val="0"/>
+                <a14:useLocalDpi xmlns:a14="http://schemas.microsoft.com/office/drawing/2010/main" xmlns:p="http://schemas.openxmlformats.org/presentationml/2006/main" xmlns:r="http://schemas.openxmlformats.org/officeDocument/2006/relationships" xmlns:a="http://schemas.openxmlformats.org/drawingml/2006/main" xmlns="" val="0"/>
               </a:ext>
             </a:extLst>
           </a:blip>
@@ -9478,20 +9526,20 @@
     </p:spTree>
     <p:extLst>
       <p:ext uri="{BB962C8B-B14F-4D97-AF65-F5344CB8AC3E}">
-        <p14:creationId xmlns:p14="http://schemas.microsoft.com/office/powerpoint/2010/main" val="2687821401"/>
+        <p14:creationId xmlns:p14="http://schemas.microsoft.com/office/powerpoint/2010/main" xmlns:p="http://schemas.openxmlformats.org/presentationml/2006/main" xmlns:r="http://schemas.openxmlformats.org/officeDocument/2006/relationships" xmlns:a="http://schemas.openxmlformats.org/drawingml/2006/main" xmlns="" val="2687821401"/>
       </p:ext>
     </p:extLst>
   </p:cSld>
   <p:clrMapOvr>
     <a:overrideClrMapping bg1="dk1" tx1="lt1" bg2="dk2" tx2="lt2" accent1="accent1" accent2="accent2" accent3="accent3" accent4="accent4" accent5="accent5" accent6="accent6" hlink="hlink" folHlink="folHlink"/>
   </p:clrMapOvr>
-  <mc:AlternateContent xmlns:mc="http://schemas.openxmlformats.org/markup-compatibility/2006" xmlns:p14="http://schemas.microsoft.com/office/powerpoint/2010/main">
-    <mc:Choice Requires="p14">
+  <mc:AlternateContent>
+    <mc:Choice xmlns:mc="http://schemas.openxmlformats.org/markup-compatibility/2006" xmlns:p14="http://schemas.microsoft.com/office/powerpoint/2010/main" xmlns:p="http://schemas.openxmlformats.org/presentationml/2006/main" xmlns:r="http://schemas.openxmlformats.org/officeDocument/2006/relationships" xmlns:a="http://schemas.openxmlformats.org/drawingml/2006/main" xmlns="" Requires="p14">
       <p:transition spd="med" p14:dur="700">
         <p:fade/>
       </p:transition>
     </mc:Choice>
-    <mc:Fallback xmlns="">
+    <mc:Fallback>
       <p:transition spd="med">
         <p:fade/>
       </p:transition>
@@ -9508,7 +9556,7 @@
 </file>
 
 <file path=ppt/slideLayouts/slideLayout30.xml><?xml version="1.0" encoding="utf-8"?>
-<p:sldLayout xmlns:a="http://schemas.openxmlformats.org/drawingml/2006/main" xmlns:r="http://schemas.openxmlformats.org/officeDocument/2006/relationships" xmlns:p="http://schemas.openxmlformats.org/presentationml/2006/main" preserve="1" userDrawn="1">
+<p:sldLayout xmlns:a="http://schemas.openxmlformats.org/drawingml/2006/main" xmlns:r="http://schemas.openxmlformats.org/officeDocument/2006/relationships" xmlns:mc="http://schemas.openxmlformats.org/markup-compatibility/2006" xmlns:mv="urn:schemas-microsoft-com:mac:vml" xmlns:p="http://schemas.openxmlformats.org/presentationml/2006/main" mc:Ignorable="mv" mc:PreserveAttributes="mv:*" preserve="1" userDrawn="1">
   <p:cSld name="Android Smartphone and Tablet: Horizontal">
     <p:spTree>
       <p:nvGrpSpPr>
@@ -9536,7 +9584,7 @@
           <a:blip r:embed="rId2">
             <a:extLst>
               <a:ext uri="{28A0092B-C50C-407E-A947-70E740481C1C}">
-                <a14:useLocalDpi xmlns:a14="http://schemas.microsoft.com/office/drawing/2010/main" val="0"/>
+                <a14:useLocalDpi xmlns:a14="http://schemas.microsoft.com/office/drawing/2010/main" xmlns:p="http://schemas.openxmlformats.org/presentationml/2006/main" xmlns:r="http://schemas.openxmlformats.org/officeDocument/2006/relationships" xmlns:a="http://schemas.openxmlformats.org/drawingml/2006/main" xmlns="" val="0"/>
               </a:ext>
             </a:extLst>
           </a:blip>
@@ -9556,7 +9604,7 @@
       </p:pic>
       <p:pic>
         <p:nvPicPr>
-          <p:cNvPr id="11" name="Picture 10" descr="Photos, screen captures, graphics can be inserted in a white mobile phone and tablet" title="Android Smartphone and Tablet: Horizontal Layout"/>
+          <p:cNvPr id="11" name="Picture 10" descr="Photos, screen captures, graphics can be inserted in a white mobile phone and tablet"/>
           <p:cNvPicPr>
             <a:picLocks noChangeAspect="1"/>
           </p:cNvPicPr>
@@ -9566,7 +9614,7 @@
           <a:blip r:embed="rId3">
             <a:extLst>
               <a:ext uri="{28A0092B-C50C-407E-A947-70E740481C1C}">
-                <a14:useLocalDpi xmlns:a14="http://schemas.microsoft.com/office/drawing/2010/main" val="0"/>
+                <a14:useLocalDpi xmlns:a14="http://schemas.microsoft.com/office/drawing/2010/main" xmlns:p="http://schemas.openxmlformats.org/presentationml/2006/main" xmlns:r="http://schemas.openxmlformats.org/officeDocument/2006/relationships" xmlns:a="http://schemas.openxmlformats.org/drawingml/2006/main" xmlns="" val="0"/>
               </a:ext>
             </a:extLst>
           </a:blip>
@@ -9676,7 +9724,8 @@
           <a:p>
             <a:fld id="{12F357D6-E765-4D1B-AF0C-CE3356D3AF01}" type="datetime1">
               <a:rPr lang="en-US" smtClean="0"/>
-              <a:t>2/1/2016</a:t>
+              <a:pPr/>
+              <a:t>2/1/16</a:t>
             </a:fld>
             <a:endParaRPr dirty="0"/>
           </a:p>
@@ -9722,6 +9771,7 @@
           <a:p>
             <a:fld id="{C51EAA63-D034-42AE-91FA-B13B9518C7BE}" type="slidenum">
               <a:rPr/>
+              <a:pPr/>
               <a:t>‹#›</a:t>
             </a:fld>
             <a:endParaRPr dirty="0"/>
@@ -9829,20 +9879,20 @@
     </p:spTree>
     <p:extLst>
       <p:ext uri="{BB962C8B-B14F-4D97-AF65-F5344CB8AC3E}">
-        <p14:creationId xmlns:p14="http://schemas.microsoft.com/office/powerpoint/2010/main" val="3629068126"/>
+        <p14:creationId xmlns:p14="http://schemas.microsoft.com/office/powerpoint/2010/main" xmlns:p="http://schemas.openxmlformats.org/presentationml/2006/main" xmlns:r="http://schemas.openxmlformats.org/officeDocument/2006/relationships" xmlns:a="http://schemas.openxmlformats.org/drawingml/2006/main" xmlns="" val="3629068126"/>
       </p:ext>
     </p:extLst>
   </p:cSld>
   <p:clrMapOvr>
     <a:masterClrMapping/>
   </p:clrMapOvr>
-  <mc:AlternateContent xmlns:mc="http://schemas.openxmlformats.org/markup-compatibility/2006" xmlns:p14="http://schemas.microsoft.com/office/powerpoint/2010/main">
-    <mc:Choice Requires="p14">
+  <mc:AlternateContent>
+    <mc:Choice xmlns:mc="http://schemas.openxmlformats.org/markup-compatibility/2006" xmlns:p14="http://schemas.microsoft.com/office/powerpoint/2010/main" xmlns:p="http://schemas.openxmlformats.org/presentationml/2006/main" xmlns:r="http://schemas.openxmlformats.org/officeDocument/2006/relationships" xmlns:a="http://schemas.openxmlformats.org/drawingml/2006/main" xmlns="" Requires="p14">
       <p:transition spd="med" p14:dur="700">
         <p:fade/>
       </p:transition>
     </mc:Choice>
-    <mc:Fallback xmlns="">
+    <mc:Fallback>
       <p:transition spd="med">
         <p:fade/>
       </p:transition>
@@ -9859,7 +9909,7 @@
 </file>
 
 <file path=ppt/slideLayouts/slideLayout31.xml><?xml version="1.0" encoding="utf-8"?>
-<p:sldLayout xmlns:a="http://schemas.openxmlformats.org/drawingml/2006/main" xmlns:r="http://schemas.openxmlformats.org/officeDocument/2006/relationships" xmlns:p="http://schemas.openxmlformats.org/presentationml/2006/main" preserve="1" userDrawn="1">
+<p:sldLayout xmlns:a="http://schemas.openxmlformats.org/drawingml/2006/main" xmlns:r="http://schemas.openxmlformats.org/officeDocument/2006/relationships" xmlns:mc="http://schemas.openxmlformats.org/markup-compatibility/2006" xmlns:mv="urn:schemas-microsoft-com:mac:vml" xmlns:p="http://schemas.openxmlformats.org/presentationml/2006/main" mc:Ignorable="mv" mc:PreserveAttributes="mv:*" preserve="1" userDrawn="1">
   <p:cSld name="Android Smartphone and Tablet: Vertical">
     <p:spTree>
       <p:nvGrpSpPr>
@@ -9887,7 +9937,7 @@
           <a:blip r:embed="rId2">
             <a:extLst>
               <a:ext uri="{28A0092B-C50C-407E-A947-70E740481C1C}">
-                <a14:useLocalDpi xmlns:a14="http://schemas.microsoft.com/office/drawing/2010/main" val="0"/>
+                <a14:useLocalDpi xmlns:a14="http://schemas.microsoft.com/office/drawing/2010/main" xmlns:p="http://schemas.openxmlformats.org/presentationml/2006/main" xmlns:r="http://schemas.openxmlformats.org/officeDocument/2006/relationships" xmlns:a="http://schemas.openxmlformats.org/drawingml/2006/main" xmlns="" val="0"/>
               </a:ext>
             </a:extLst>
           </a:blip>
@@ -9953,7 +10003,8 @@
           <a:p>
             <a:fld id="{F4D2F018-5A24-4234-AFF4-8161245961D2}" type="datetime1">
               <a:rPr lang="en-US" smtClean="0"/>
-              <a:t>2/1/2016</a:t>
+              <a:pPr/>
+              <a:t>2/1/16</a:t>
             </a:fld>
             <a:endParaRPr dirty="0"/>
           </a:p>
@@ -9999,6 +10050,7 @@
           <a:p>
             <a:fld id="{C51EAA63-D034-42AE-91FA-B13B9518C7BE}" type="slidenum">
               <a:rPr/>
+              <a:pPr/>
               <a:t>‹#›</a:t>
             </a:fld>
             <a:endParaRPr dirty="0"/>
@@ -10082,7 +10134,7 @@
       </p:sp>
       <p:pic>
         <p:nvPicPr>
-          <p:cNvPr id="19" name="Picture 18" descr="Photos, screen captures, graphics can be inserted in a white mobile phone and tablet" title="Android Smartphone and Tablet: Vertical Layout"/>
+          <p:cNvPr id="19" name="Picture 18" descr="Photos, screen captures, graphics can be inserted in a white mobile phone and tablet"/>
           <p:cNvPicPr>
             <a:picLocks noChangeAspect="1"/>
           </p:cNvPicPr>
@@ -10092,7 +10144,7 @@
           <a:blip r:embed="rId3">
             <a:extLst>
               <a:ext uri="{28A0092B-C50C-407E-A947-70E740481C1C}">
-                <a14:useLocalDpi xmlns:a14="http://schemas.microsoft.com/office/drawing/2010/main" val="0"/>
+                <a14:useLocalDpi xmlns:a14="http://schemas.microsoft.com/office/drawing/2010/main" xmlns:p="http://schemas.openxmlformats.org/presentationml/2006/main" xmlns:r="http://schemas.openxmlformats.org/officeDocument/2006/relationships" xmlns:a="http://schemas.openxmlformats.org/drawingml/2006/main" xmlns="" val="0"/>
               </a:ext>
             </a:extLst>
           </a:blip>
@@ -10188,20 +10240,20 @@
     </p:spTree>
     <p:extLst>
       <p:ext uri="{BB962C8B-B14F-4D97-AF65-F5344CB8AC3E}">
-        <p14:creationId xmlns:p14="http://schemas.microsoft.com/office/powerpoint/2010/main" val="3964592505"/>
+        <p14:creationId xmlns:p14="http://schemas.microsoft.com/office/powerpoint/2010/main" xmlns:p="http://schemas.openxmlformats.org/presentationml/2006/main" xmlns:r="http://schemas.openxmlformats.org/officeDocument/2006/relationships" xmlns:a="http://schemas.openxmlformats.org/drawingml/2006/main" xmlns="" val="3964592505"/>
       </p:ext>
     </p:extLst>
   </p:cSld>
   <p:clrMapOvr>
     <a:masterClrMapping/>
   </p:clrMapOvr>
-  <mc:AlternateContent xmlns:mc="http://schemas.openxmlformats.org/markup-compatibility/2006" xmlns:p14="http://schemas.microsoft.com/office/powerpoint/2010/main">
-    <mc:Choice Requires="p14">
+  <mc:AlternateContent>
+    <mc:Choice xmlns:mc="http://schemas.openxmlformats.org/markup-compatibility/2006" xmlns:p14="http://schemas.microsoft.com/office/powerpoint/2010/main" xmlns:p="http://schemas.openxmlformats.org/presentationml/2006/main" xmlns:r="http://schemas.openxmlformats.org/officeDocument/2006/relationships" xmlns:a="http://schemas.openxmlformats.org/drawingml/2006/main" xmlns="" Requires="p14">
       <p:transition spd="med" p14:dur="700">
         <p:fade/>
       </p:transition>
     </mc:Choice>
-    <mc:Fallback xmlns="">
+    <mc:Fallback>
       <p:transition spd="med">
         <p:fade/>
       </p:transition>
@@ -10218,7 +10270,7 @@
 </file>
 
 <file path=ppt/slideLayouts/slideLayout32.xml><?xml version="1.0" encoding="utf-8"?>
-<p:sldLayout xmlns:a="http://schemas.openxmlformats.org/drawingml/2006/main" xmlns:r="http://schemas.openxmlformats.org/officeDocument/2006/relationships" xmlns:p="http://schemas.openxmlformats.org/presentationml/2006/main" showMasterSp="0" preserve="1">
+<p:sldLayout xmlns:a="http://schemas.openxmlformats.org/drawingml/2006/main" xmlns:r="http://schemas.openxmlformats.org/officeDocument/2006/relationships" xmlns:mc="http://schemas.openxmlformats.org/markup-compatibility/2006" xmlns:mv="urn:schemas-microsoft-com:mac:vml" xmlns:p="http://schemas.openxmlformats.org/presentationml/2006/main" mc:Ignorable="mv" mc:PreserveAttributes="mv:*" showMasterSp="0" preserve="1">
   <p:cSld name="Metric with Picture">
     <p:bg>
       <p:bgPr>
@@ -10250,7 +10302,7 @@
       </p:grpSpPr>
       <p:sp>
         <p:nvSpPr>
-          <p:cNvPr id="8" name="Rectangle 7" descr="A large metric, brief statement, and 4-color photo can be included here" title="Large metric with 4-color photo"/>
+          <p:cNvPr id="8" name="Rectangle 7" descr="A large metric, brief statement, and 4-color photo can be included here"/>
           <p:cNvSpPr/>
           <p:nvPr/>
         </p:nvSpPr>
@@ -10516,7 +10568,8 @@
           <a:p>
             <a:fld id="{AD9D4FBB-A53E-42FB-A1DE-945DA7F378E2}" type="datetime1">
               <a:rPr lang="en-US" smtClean="0"/>
-              <a:t>2/1/2016</a:t>
+              <a:pPr/>
+              <a:t>2/1/16</a:t>
             </a:fld>
             <a:endParaRPr lang="en-US" dirty="0"/>
           </a:p>
@@ -10777,7 +10830,7 @@
       </p:sp>
       <p:pic>
         <p:nvPicPr>
-          <p:cNvPr id="16" name="Picture 15" descr="Oracle logo in white on red staging background" title="Oracle red badge logo"/>
+          <p:cNvPr id="16" name="Picture 15" descr="Oracle logo in white on red staging background"/>
           <p:cNvPicPr>
             <a:picLocks noChangeAspect="1"/>
           </p:cNvPicPr>
@@ -10787,7 +10840,7 @@
           <a:blip r:embed="rId3">
             <a:extLst>
               <a:ext uri="{28A0092B-C50C-407E-A947-70E740481C1C}">
-                <a14:useLocalDpi xmlns:a14="http://schemas.microsoft.com/office/drawing/2010/main" val="0"/>
+                <a14:useLocalDpi xmlns:a14="http://schemas.microsoft.com/office/drawing/2010/main" xmlns:p="http://schemas.openxmlformats.org/presentationml/2006/main" xmlns:r="http://schemas.openxmlformats.org/officeDocument/2006/relationships" xmlns:a="http://schemas.openxmlformats.org/drawingml/2006/main" xmlns="" val="0"/>
               </a:ext>
             </a:extLst>
           </a:blip>
@@ -10808,20 +10861,20 @@
     </p:spTree>
     <p:extLst>
       <p:ext uri="{BB962C8B-B14F-4D97-AF65-F5344CB8AC3E}">
-        <p14:creationId xmlns:p14="http://schemas.microsoft.com/office/powerpoint/2010/main" val="1381817526"/>
+        <p14:creationId xmlns:p14="http://schemas.microsoft.com/office/powerpoint/2010/main" xmlns:p="http://schemas.openxmlformats.org/presentationml/2006/main" xmlns:r="http://schemas.openxmlformats.org/officeDocument/2006/relationships" xmlns:a="http://schemas.openxmlformats.org/drawingml/2006/main" xmlns="" val="1381817526"/>
       </p:ext>
     </p:extLst>
   </p:cSld>
   <p:clrMapOvr>
     <a:overrideClrMapping bg1="dk1" tx1="lt1" bg2="dk2" tx2="lt2" accent1="accent1" accent2="accent2" accent3="accent3" accent4="accent4" accent5="accent5" accent6="accent6" hlink="hlink" folHlink="folHlink"/>
   </p:clrMapOvr>
-  <mc:AlternateContent xmlns:mc="http://schemas.openxmlformats.org/markup-compatibility/2006" xmlns:p14="http://schemas.microsoft.com/office/powerpoint/2010/main">
-    <mc:Choice Requires="p14">
+  <mc:AlternateContent>
+    <mc:Choice xmlns:mc="http://schemas.openxmlformats.org/markup-compatibility/2006" xmlns:p14="http://schemas.microsoft.com/office/powerpoint/2010/main" xmlns:p="http://schemas.openxmlformats.org/presentationml/2006/main" xmlns:r="http://schemas.openxmlformats.org/officeDocument/2006/relationships" xmlns:a="http://schemas.openxmlformats.org/drawingml/2006/main" xmlns="" Requires="p14">
       <p:transition spd="med" p14:dur="700">
         <p:fade/>
       </p:transition>
     </mc:Choice>
-    <mc:Fallback xmlns="">
+    <mc:Fallback>
       <p:transition spd="med">
         <p:fade/>
       </p:transition>
@@ -10838,7 +10891,7 @@
 </file>
 
 <file path=ppt/slideLayouts/slideLayout33.xml><?xml version="1.0" encoding="utf-8"?>
-<p:sldLayout xmlns:a="http://schemas.openxmlformats.org/drawingml/2006/main" xmlns:r="http://schemas.openxmlformats.org/officeDocument/2006/relationships" xmlns:p="http://schemas.openxmlformats.org/presentationml/2006/main" type="blank" preserve="1">
+<p:sldLayout xmlns:a="http://schemas.openxmlformats.org/drawingml/2006/main" xmlns:r="http://schemas.openxmlformats.org/officeDocument/2006/relationships" xmlns:mc="http://schemas.openxmlformats.org/markup-compatibility/2006" xmlns:mv="urn:schemas-microsoft-com:mac:vml" xmlns:p="http://schemas.openxmlformats.org/presentationml/2006/main" mc:Ignorable="mv" mc:PreserveAttributes="mv:*" type="blank" preserve="1">
   <p:cSld name="Safe Harbor Front">
     <p:spTree>
       <p:nvGrpSpPr>
@@ -10871,7 +10924,8 @@
           <a:p>
             <a:fld id="{6A3CFA48-6AE6-4DCD-B213-F6F38357DC8F}" type="datetime1">
               <a:rPr lang="en-US" smtClean="0"/>
-              <a:t>2/1/2016</a:t>
+              <a:pPr/>
+              <a:t>2/1/16</a:t>
             </a:fld>
             <a:endParaRPr dirty="0"/>
           </a:p>
@@ -10917,6 +10971,7 @@
           <a:p>
             <a:fld id="{C51EAA63-D034-42AE-91FA-B13B9518C7BE}" type="slidenum">
               <a:rPr/>
+              <a:pPr/>
               <a:t>‹#›</a:t>
             </a:fld>
             <a:endParaRPr dirty="0"/>
@@ -11007,20 +11062,20 @@
     </p:spTree>
     <p:extLst>
       <p:ext uri="{BB962C8B-B14F-4D97-AF65-F5344CB8AC3E}">
-        <p14:creationId xmlns:p14="http://schemas.microsoft.com/office/powerpoint/2010/main" val="2597889444"/>
+        <p14:creationId xmlns:p14="http://schemas.microsoft.com/office/powerpoint/2010/main" xmlns:p="http://schemas.openxmlformats.org/presentationml/2006/main" xmlns:r="http://schemas.openxmlformats.org/officeDocument/2006/relationships" xmlns:a="http://schemas.openxmlformats.org/drawingml/2006/main" xmlns="" val="2597889444"/>
       </p:ext>
     </p:extLst>
   </p:cSld>
   <p:clrMapOvr>
     <a:masterClrMapping/>
   </p:clrMapOvr>
-  <mc:AlternateContent xmlns:mc="http://schemas.openxmlformats.org/markup-compatibility/2006" xmlns:p14="http://schemas.microsoft.com/office/powerpoint/2010/main">
-    <mc:Choice Requires="p14">
+  <mc:AlternateContent>
+    <mc:Choice xmlns:mc="http://schemas.openxmlformats.org/markup-compatibility/2006" xmlns:p14="http://schemas.microsoft.com/office/powerpoint/2010/main" xmlns:p="http://schemas.openxmlformats.org/presentationml/2006/main" xmlns:r="http://schemas.openxmlformats.org/officeDocument/2006/relationships" xmlns:a="http://schemas.openxmlformats.org/drawingml/2006/main" xmlns="" Requires="p14">
       <p:transition spd="med" p14:dur="700">
         <p:fade/>
       </p:transition>
     </mc:Choice>
-    <mc:Fallback xmlns="">
+    <mc:Fallback>
       <p:transition spd="med">
         <p:fade/>
       </p:transition>
@@ -11037,7 +11092,7 @@
 </file>
 
 <file path=ppt/slideLayouts/slideLayout34.xml><?xml version="1.0" encoding="utf-8"?>
-<p:sldLayout xmlns:a="http://schemas.openxmlformats.org/drawingml/2006/main" xmlns:r="http://schemas.openxmlformats.org/officeDocument/2006/relationships" xmlns:p="http://schemas.openxmlformats.org/presentationml/2006/main" type="blank" preserve="1">
+<p:sldLayout xmlns:a="http://schemas.openxmlformats.org/drawingml/2006/main" xmlns:r="http://schemas.openxmlformats.org/officeDocument/2006/relationships" xmlns:mc="http://schemas.openxmlformats.org/markup-compatibility/2006" xmlns:mv="urn:schemas-microsoft-com:mac:vml" xmlns:p="http://schemas.openxmlformats.org/presentationml/2006/main" mc:Ignorable="mv" mc:PreserveAttributes="mv:*" type="blank" preserve="1">
   <p:cSld name="Safe Harbor Back">
     <p:spTree>
       <p:nvGrpSpPr>
@@ -11070,7 +11125,8 @@
           <a:p>
             <a:fld id="{7DFCFEEA-4290-4F53-A9BE-FBB8696575F5}" type="datetime1">
               <a:rPr lang="en-US" smtClean="0"/>
-              <a:t>2/1/2016</a:t>
+              <a:pPr/>
+              <a:t>2/1/16</a:t>
             </a:fld>
             <a:endParaRPr dirty="0"/>
           </a:p>
@@ -11116,6 +11172,7 @@
           <a:p>
             <a:fld id="{C51EAA63-D034-42AE-91FA-B13B9518C7BE}" type="slidenum">
               <a:rPr/>
+              <a:pPr/>
               <a:t>‹#›</a:t>
             </a:fld>
             <a:endParaRPr dirty="0"/>
@@ -11206,20 +11263,20 @@
     </p:spTree>
     <p:extLst>
       <p:ext uri="{BB962C8B-B14F-4D97-AF65-F5344CB8AC3E}">
-        <p14:creationId xmlns:p14="http://schemas.microsoft.com/office/powerpoint/2010/main" val="2358871904"/>
+        <p14:creationId xmlns:p14="http://schemas.microsoft.com/office/powerpoint/2010/main" xmlns:p="http://schemas.openxmlformats.org/presentationml/2006/main" xmlns:r="http://schemas.openxmlformats.org/officeDocument/2006/relationships" xmlns:a="http://schemas.openxmlformats.org/drawingml/2006/main" xmlns="" val="2358871904"/>
       </p:ext>
     </p:extLst>
   </p:cSld>
   <p:clrMapOvr>
     <a:masterClrMapping/>
   </p:clrMapOvr>
-  <mc:AlternateContent xmlns:mc="http://schemas.openxmlformats.org/markup-compatibility/2006" xmlns:p14="http://schemas.microsoft.com/office/powerpoint/2010/main">
-    <mc:Choice Requires="p14">
+  <mc:AlternateContent>
+    <mc:Choice xmlns:mc="http://schemas.openxmlformats.org/markup-compatibility/2006" xmlns:p14="http://schemas.microsoft.com/office/powerpoint/2010/main" xmlns:p="http://schemas.openxmlformats.org/presentationml/2006/main" xmlns:r="http://schemas.openxmlformats.org/officeDocument/2006/relationships" xmlns:a="http://schemas.openxmlformats.org/drawingml/2006/main" xmlns="" Requires="p14">
       <p:transition spd="med" p14:dur="700">
         <p:fade/>
       </p:transition>
     </mc:Choice>
-    <mc:Fallback xmlns="">
+    <mc:Fallback>
       <p:transition spd="med">
         <p:fade/>
       </p:transition>
@@ -11236,7 +11293,7 @@
 </file>
 
 <file path=ppt/slideLayouts/slideLayout35.xml><?xml version="1.0" encoding="utf-8"?>
-<p:sldLayout xmlns:a="http://schemas.openxmlformats.org/drawingml/2006/main" xmlns:r="http://schemas.openxmlformats.org/officeDocument/2006/relationships" xmlns:p="http://schemas.openxmlformats.org/presentationml/2006/main" type="blank" preserve="1">
+<p:sldLayout xmlns:a="http://schemas.openxmlformats.org/drawingml/2006/main" xmlns:r="http://schemas.openxmlformats.org/officeDocument/2006/relationships" xmlns:mc="http://schemas.openxmlformats.org/markup-compatibility/2006" xmlns:mv="urn:schemas-microsoft-com:mac:vml" xmlns:p="http://schemas.openxmlformats.org/presentationml/2006/main" mc:Ignorable="mv" mc:PreserveAttributes="mv:*" type="blank" preserve="1">
   <p:cSld name="Positioning Statement">
     <p:spTree>
       <p:nvGrpSpPr>
@@ -11254,7 +11311,7 @@
       </p:grpSpPr>
       <p:pic>
         <p:nvPicPr>
-          <p:cNvPr id="51" name="Picture 50" descr="&quot;Integrated Cloud Applications &amp; Platform Services&quot; tagline in red and black" title="Oracle corporate Tagline in color"/>
+          <p:cNvPr id="51" name="Picture 50" descr="&quot;Integrated Cloud Applications &amp; Platform Services&quot; tagline in red and black"/>
           <p:cNvPicPr>
             <a:picLocks noChangeAspect="1"/>
           </p:cNvPicPr>
@@ -11264,7 +11321,7 @@
           <a:blip r:embed="rId2" cstate="print">
             <a:extLst>
               <a:ext uri="{28A0092B-C50C-407E-A947-70E740481C1C}">
-                <a14:useLocalDpi xmlns:a14="http://schemas.microsoft.com/office/drawing/2010/main" val="0"/>
+                <a14:useLocalDpi xmlns:a14="http://schemas.microsoft.com/office/drawing/2010/main" xmlns:p="http://schemas.openxmlformats.org/presentationml/2006/main" xmlns:r="http://schemas.openxmlformats.org/officeDocument/2006/relationships" xmlns:a="http://schemas.openxmlformats.org/drawingml/2006/main" xmlns="" val="0"/>
               </a:ext>
             </a:extLst>
           </a:blip>
@@ -11299,7 +11356,8 @@
           <a:p>
             <a:fld id="{72C14DAA-1D3C-46A7-BEDD-388A5F5A0CAD}" type="datetime1">
               <a:rPr lang="en-US" smtClean="0"/>
-              <a:t>2/1/2016</a:t>
+              <a:pPr/>
+              <a:t>2/1/16</a:t>
             </a:fld>
             <a:endParaRPr dirty="0"/>
           </a:p>
@@ -11345,6 +11403,7 @@
           <a:p>
             <a:fld id="{C51EAA63-D034-42AE-91FA-B13B9518C7BE}" type="slidenum">
               <a:rPr/>
+              <a:pPr/>
               <a:t>‹#›</a:t>
             </a:fld>
             <a:endParaRPr dirty="0"/>
@@ -11354,20 +11413,20 @@
     </p:spTree>
     <p:extLst>
       <p:ext uri="{BB962C8B-B14F-4D97-AF65-F5344CB8AC3E}">
-        <p14:creationId xmlns:p14="http://schemas.microsoft.com/office/powerpoint/2010/main" val="3709137495"/>
+        <p14:creationId xmlns:p14="http://schemas.microsoft.com/office/powerpoint/2010/main" xmlns:p="http://schemas.openxmlformats.org/presentationml/2006/main" xmlns:r="http://schemas.openxmlformats.org/officeDocument/2006/relationships" xmlns:a="http://schemas.openxmlformats.org/drawingml/2006/main" xmlns="" val="3709137495"/>
       </p:ext>
     </p:extLst>
   </p:cSld>
   <p:clrMapOvr>
     <a:masterClrMapping/>
   </p:clrMapOvr>
-  <mc:AlternateContent xmlns:mc="http://schemas.openxmlformats.org/markup-compatibility/2006" xmlns:p14="http://schemas.microsoft.com/office/powerpoint/2010/main">
-    <mc:Choice Requires="p14">
+  <mc:AlternateContent>
+    <mc:Choice xmlns:mc="http://schemas.openxmlformats.org/markup-compatibility/2006" xmlns:p14="http://schemas.microsoft.com/office/powerpoint/2010/main" xmlns:p="http://schemas.openxmlformats.org/presentationml/2006/main" xmlns:r="http://schemas.openxmlformats.org/officeDocument/2006/relationships" xmlns:a="http://schemas.openxmlformats.org/drawingml/2006/main" xmlns="" Requires="p14">
       <p:transition spd="med" p14:dur="700">
         <p:fade/>
       </p:transition>
     </mc:Choice>
-    <mc:Fallback xmlns="">
+    <mc:Fallback>
       <p:transition spd="med">
         <p:fade/>
       </p:transition>
@@ -11384,7 +11443,7 @@
 </file>
 
 <file path=ppt/slideLayouts/slideLayout36.xml><?xml version="1.0" encoding="utf-8"?>
-<p:sldLayout xmlns:a="http://schemas.openxmlformats.org/drawingml/2006/main" xmlns:r="http://schemas.openxmlformats.org/officeDocument/2006/relationships" xmlns:p="http://schemas.openxmlformats.org/presentationml/2006/main" showMasterSp="0" type="blank" preserve="1">
+<p:sldLayout xmlns:a="http://schemas.openxmlformats.org/drawingml/2006/main" xmlns:r="http://schemas.openxmlformats.org/officeDocument/2006/relationships" xmlns:mc="http://schemas.openxmlformats.org/markup-compatibility/2006" xmlns:mv="urn:schemas-microsoft-com:mac:vml" xmlns:p="http://schemas.openxmlformats.org/presentationml/2006/main" mc:Ignorable="mv" mc:PreserveAttributes="mv:*" showMasterSp="0" type="blank" preserve="1">
   <p:cSld name="Oracle logo">
     <p:bg bwMode="ltGray">
       <p:bgRef idx="1001">
@@ -11407,7 +11466,7 @@
       </p:grpSpPr>
       <p:pic>
         <p:nvPicPr>
-          <p:cNvPr id="2" name="Picture 1" descr="Oracle logo in white on red staging background. Light blue frame around perimeter." title="Oracle Logo Slide"/>
+          <p:cNvPr id="2" name="Picture 1" descr="Oracle logo in white on red staging background. Light blue frame around perimeter."/>
           <p:cNvPicPr>
             <a:picLocks noChangeAspect="1"/>
           </p:cNvPicPr>
@@ -11417,7 +11476,7 @@
           <a:blip r:embed="rId2" cstate="print">
             <a:extLst>
               <a:ext uri="{28A0092B-C50C-407E-A947-70E740481C1C}">
-                <a14:useLocalDpi xmlns:a14="http://schemas.microsoft.com/office/drawing/2010/main" val="0"/>
+                <a14:useLocalDpi xmlns:a14="http://schemas.microsoft.com/office/drawing/2010/main" xmlns:p="http://schemas.openxmlformats.org/presentationml/2006/main" xmlns:r="http://schemas.openxmlformats.org/officeDocument/2006/relationships" xmlns:a="http://schemas.openxmlformats.org/drawingml/2006/main" xmlns="" val="0"/>
               </a:ext>
             </a:extLst>
           </a:blip>
@@ -11451,7 +11510,7 @@
           <a:blip r:embed="rId3" cstate="screen">
             <a:extLst>
               <a:ext uri="{28A0092B-C50C-407E-A947-70E740481C1C}">
-                <a14:useLocalDpi xmlns:a14="http://schemas.microsoft.com/office/drawing/2010/main" val="0"/>
+                <a14:useLocalDpi xmlns:a14="http://schemas.microsoft.com/office/drawing/2010/main" xmlns:p="http://schemas.openxmlformats.org/presentationml/2006/main" xmlns:r="http://schemas.openxmlformats.org/officeDocument/2006/relationships" xmlns:a="http://schemas.openxmlformats.org/drawingml/2006/main" xmlns="" val="0"/>
               </a:ext>
             </a:extLst>
           </a:blip>
@@ -11652,20 +11711,20 @@
     </p:spTree>
     <p:extLst>
       <p:ext uri="{BB962C8B-B14F-4D97-AF65-F5344CB8AC3E}">
-        <p14:creationId xmlns:p14="http://schemas.microsoft.com/office/powerpoint/2010/main" val="1065755523"/>
+        <p14:creationId xmlns:p14="http://schemas.microsoft.com/office/powerpoint/2010/main" xmlns:p="http://schemas.openxmlformats.org/presentationml/2006/main" xmlns:r="http://schemas.openxmlformats.org/officeDocument/2006/relationships" xmlns:a="http://schemas.openxmlformats.org/drawingml/2006/main" xmlns="" val="1065755523"/>
       </p:ext>
     </p:extLst>
   </p:cSld>
   <p:clrMapOvr>
     <a:masterClrMapping/>
   </p:clrMapOvr>
-  <mc:AlternateContent xmlns:mc="http://schemas.openxmlformats.org/markup-compatibility/2006" xmlns:p14="http://schemas.microsoft.com/office/powerpoint/2010/main">
-    <mc:Choice Requires="p14">
+  <mc:AlternateContent>
+    <mc:Choice xmlns:mc="http://schemas.openxmlformats.org/markup-compatibility/2006" xmlns:p14="http://schemas.microsoft.com/office/powerpoint/2010/main" xmlns:p="http://schemas.openxmlformats.org/presentationml/2006/main" xmlns:r="http://schemas.openxmlformats.org/officeDocument/2006/relationships" xmlns:a="http://schemas.openxmlformats.org/drawingml/2006/main" xmlns="" Requires="p14">
       <p:transition spd="med" p14:dur="700">
         <p:fade/>
       </p:transition>
     </mc:Choice>
-    <mc:Fallback xmlns="">
+    <mc:Fallback>
       <p:transition spd="med">
         <p:fade/>
       </p:transition>
@@ -11682,7 +11741,7 @@
 </file>
 
 <file path=ppt/slideLayouts/slideLayout37.xml><?xml version="1.0" encoding="utf-8"?>
-<p:sldLayout xmlns:a="http://schemas.openxmlformats.org/drawingml/2006/main" xmlns:r="http://schemas.openxmlformats.org/officeDocument/2006/relationships" xmlns:p="http://schemas.openxmlformats.org/presentationml/2006/main" type="vertTx" preserve="1">
+<p:sldLayout xmlns:a="http://schemas.openxmlformats.org/drawingml/2006/main" xmlns:r="http://schemas.openxmlformats.org/officeDocument/2006/relationships" xmlns:mc="http://schemas.openxmlformats.org/markup-compatibility/2006" xmlns:mv="urn:schemas-microsoft-com:mac:vml" xmlns:p="http://schemas.openxmlformats.org/presentationml/2006/main" mc:Ignorable="mv" mc:PreserveAttributes="mv:*" type="vertTx" preserve="1">
   <p:cSld name="Title and Vertical Text">
     <p:spTree>
       <p:nvGrpSpPr>
@@ -11795,7 +11854,8 @@
           <a:p>
             <a:fld id="{8D3CF8D6-2635-48F7-B6F0-1D1CEE23AE91}" type="datetime1">
               <a:rPr lang="en-US" smtClean="0"/>
-              <a:t>2/1/2016</a:t>
+              <a:pPr/>
+              <a:t>2/1/16</a:t>
             </a:fld>
             <a:endParaRPr lang="en-US" dirty="0"/>
           </a:p>
@@ -11841,6 +11901,7 @@
           <a:p>
             <a:fld id="{D4EAF17A-378C-49D5-A479-C71FF9D7F1E7}" type="slidenum">
               <a:rPr lang="en-US" smtClean="0"/>
+              <a:pPr/>
               <a:t>‹#›</a:t>
             </a:fld>
             <a:endParaRPr lang="en-US" dirty="0"/>
@@ -11850,20 +11911,20 @@
     </p:spTree>
     <p:extLst>
       <p:ext uri="{BB962C8B-B14F-4D97-AF65-F5344CB8AC3E}">
-        <p14:creationId xmlns:p14="http://schemas.microsoft.com/office/powerpoint/2010/main" val="3862187121"/>
+        <p14:creationId xmlns:p14="http://schemas.microsoft.com/office/powerpoint/2010/main" xmlns:p="http://schemas.openxmlformats.org/presentationml/2006/main" xmlns:r="http://schemas.openxmlformats.org/officeDocument/2006/relationships" xmlns:a="http://schemas.openxmlformats.org/drawingml/2006/main" xmlns="" val="3862187121"/>
       </p:ext>
     </p:extLst>
   </p:cSld>
   <p:clrMapOvr>
     <a:masterClrMapping/>
   </p:clrMapOvr>
-  <mc:AlternateContent xmlns:mc="http://schemas.openxmlformats.org/markup-compatibility/2006" xmlns:p14="http://schemas.microsoft.com/office/powerpoint/2010/main">
-    <mc:Choice Requires="p14">
+  <mc:AlternateContent>
+    <mc:Choice xmlns:mc="http://schemas.openxmlformats.org/markup-compatibility/2006" xmlns:p14="http://schemas.microsoft.com/office/powerpoint/2010/main" xmlns:p="http://schemas.openxmlformats.org/presentationml/2006/main" xmlns:r="http://schemas.openxmlformats.org/officeDocument/2006/relationships" xmlns:a="http://schemas.openxmlformats.org/drawingml/2006/main" xmlns="" Requires="p14">
       <p:transition spd="med" p14:dur="700">
         <p:fade/>
       </p:transition>
     </mc:Choice>
-    <mc:Fallback xmlns="">
+    <mc:Fallback>
       <p:transition spd="med">
         <p:fade/>
       </p:transition>
@@ -11873,7 +11934,7 @@
 </file>
 
 <file path=ppt/slideLayouts/slideLayout38.xml><?xml version="1.0" encoding="utf-8"?>
-<p:sldLayout xmlns:a="http://schemas.openxmlformats.org/drawingml/2006/main" xmlns:r="http://schemas.openxmlformats.org/officeDocument/2006/relationships" xmlns:p="http://schemas.openxmlformats.org/presentationml/2006/main" type="vertTitleAndTx" preserve="1">
+<p:sldLayout xmlns:a="http://schemas.openxmlformats.org/drawingml/2006/main" xmlns:r="http://schemas.openxmlformats.org/officeDocument/2006/relationships" xmlns:mc="http://schemas.openxmlformats.org/markup-compatibility/2006" xmlns:mv="urn:schemas-microsoft-com:mac:vml" xmlns:p="http://schemas.openxmlformats.org/presentationml/2006/main" mc:Ignorable="mv" mc:PreserveAttributes="mv:*" type="vertTitleAndTx" preserve="1">
   <p:cSld name="Vertical Title and Text">
     <p:spTree>
       <p:nvGrpSpPr>
@@ -11995,7 +12056,8 @@
           <a:p>
             <a:fld id="{9B0EFC6D-5475-4DE0-9B97-F61DC7F37FDB}" type="datetime1">
               <a:rPr lang="en-US" smtClean="0"/>
-              <a:t>2/1/2016</a:t>
+              <a:pPr/>
+              <a:t>2/1/16</a:t>
             </a:fld>
             <a:endParaRPr dirty="0"/>
           </a:p>
@@ -12041,6 +12103,7 @@
           <a:p>
             <a:fld id="{C51EAA63-D034-42AE-91FA-B13B9518C7BE}" type="slidenum">
               <a:rPr/>
+              <a:pPr/>
               <a:t>‹#›</a:t>
             </a:fld>
             <a:endParaRPr dirty="0"/>
@@ -12050,20 +12113,20 @@
     </p:spTree>
     <p:extLst>
       <p:ext uri="{BB962C8B-B14F-4D97-AF65-F5344CB8AC3E}">
-        <p14:creationId xmlns:p14="http://schemas.microsoft.com/office/powerpoint/2010/main" val="2173454577"/>
+        <p14:creationId xmlns:p14="http://schemas.microsoft.com/office/powerpoint/2010/main" xmlns:p="http://schemas.openxmlformats.org/presentationml/2006/main" xmlns:r="http://schemas.openxmlformats.org/officeDocument/2006/relationships" xmlns:a="http://schemas.openxmlformats.org/drawingml/2006/main" xmlns="" val="2173454577"/>
       </p:ext>
     </p:extLst>
   </p:cSld>
   <p:clrMapOvr>
     <a:masterClrMapping/>
   </p:clrMapOvr>
-  <mc:AlternateContent xmlns:mc="http://schemas.openxmlformats.org/markup-compatibility/2006" xmlns:p14="http://schemas.microsoft.com/office/powerpoint/2010/main">
-    <mc:Choice Requires="p14">
+  <mc:AlternateContent>
+    <mc:Choice xmlns:mc="http://schemas.openxmlformats.org/markup-compatibility/2006" xmlns:p14="http://schemas.microsoft.com/office/powerpoint/2010/main" xmlns:p="http://schemas.openxmlformats.org/presentationml/2006/main" xmlns:r="http://schemas.openxmlformats.org/officeDocument/2006/relationships" xmlns:a="http://schemas.openxmlformats.org/drawingml/2006/main" xmlns="" Requires="p14">
       <p:transition spd="med" p14:dur="700">
         <p:fade/>
       </p:transition>
     </mc:Choice>
-    <mc:Fallback xmlns="">
+    <mc:Fallback>
       <p:transition spd="med">
         <p:fade/>
       </p:transition>
@@ -12080,7 +12143,7 @@
 </file>
 
 <file path=ppt/slideLayouts/slideLayout39.xml><?xml version="1.0" encoding="utf-8"?>
-<p:sldLayout xmlns:a="http://schemas.openxmlformats.org/drawingml/2006/main" xmlns:r="http://schemas.openxmlformats.org/officeDocument/2006/relationships" xmlns:p="http://schemas.openxmlformats.org/presentationml/2006/main" userDrawn="1">
+<p:sldLayout xmlns:a="http://schemas.openxmlformats.org/drawingml/2006/main" xmlns:r="http://schemas.openxmlformats.org/officeDocument/2006/relationships" xmlns:mc="http://schemas.openxmlformats.org/markup-compatibility/2006" xmlns:mv="urn:schemas-microsoft-com:mac:vml" xmlns:p="http://schemas.openxmlformats.org/presentationml/2006/main" mc:Ignorable="mv" mc:PreserveAttributes="mv:*" userDrawn="1">
   <p:cSld name="New Template_Content 1 Line Title">
     <p:spTree>
       <p:nvGrpSpPr>
@@ -12242,20 +12305,20 @@
     </p:spTree>
     <p:extLst>
       <p:ext uri="{BB962C8B-B14F-4D97-AF65-F5344CB8AC3E}">
-        <p14:creationId xmlns:p14="http://schemas.microsoft.com/office/powerpoint/2010/main" val="4106595406"/>
+        <p14:creationId xmlns:p14="http://schemas.microsoft.com/office/powerpoint/2010/main" xmlns:p="http://schemas.openxmlformats.org/presentationml/2006/main" xmlns:r="http://schemas.openxmlformats.org/officeDocument/2006/relationships" xmlns:a="http://schemas.openxmlformats.org/drawingml/2006/main" xmlns="" val="4106595406"/>
       </p:ext>
     </p:extLst>
   </p:cSld>
   <p:clrMapOvr>
     <a:masterClrMapping/>
   </p:clrMapOvr>
-  <mc:AlternateContent xmlns:mc="http://schemas.openxmlformats.org/markup-compatibility/2006" xmlns:p14="http://schemas.microsoft.com/office/powerpoint/2010/main">
-    <mc:Choice Requires="p14">
+  <mc:AlternateContent>
+    <mc:Choice xmlns:mc="http://schemas.openxmlformats.org/markup-compatibility/2006" xmlns:p14="http://schemas.microsoft.com/office/powerpoint/2010/main" xmlns:p="http://schemas.openxmlformats.org/presentationml/2006/main" xmlns:r="http://schemas.openxmlformats.org/officeDocument/2006/relationships" xmlns:a="http://schemas.openxmlformats.org/drawingml/2006/main" xmlns="" Requires="p14">
       <p:transition spd="med" p14:dur="700">
         <p:fade/>
       </p:transition>
     </mc:Choice>
-    <mc:Fallback xmlns="">
+    <mc:Fallback>
       <p:transition spd="med">
         <p:fade/>
       </p:transition>
@@ -12272,7 +12335,7 @@
 </file>
 
 <file path=ppt/slideLayouts/slideLayout4.xml><?xml version="1.0" encoding="utf-8"?>
-<p:sldLayout xmlns:a="http://schemas.openxmlformats.org/drawingml/2006/main" xmlns:r="http://schemas.openxmlformats.org/officeDocument/2006/relationships" xmlns:p="http://schemas.openxmlformats.org/presentationml/2006/main" showMasterSp="0" preserve="1">
+<p:sldLayout xmlns:a="http://schemas.openxmlformats.org/drawingml/2006/main" xmlns:r="http://schemas.openxmlformats.org/officeDocument/2006/relationships" xmlns:mc="http://schemas.openxmlformats.org/markup-compatibility/2006" xmlns:mv="urn:schemas-microsoft-com:mac:vml" xmlns:p="http://schemas.openxmlformats.org/presentationml/2006/main" mc:Ignorable="mv" mc:PreserveAttributes="mv:*" showMasterSp="0" preserve="1">
   <p:cSld name="Title Slide with Picture and Logo">
     <p:bg>
       <p:bgPr>
@@ -12304,7 +12367,7 @@
       </p:grpSpPr>
       <p:sp>
         <p:nvSpPr>
-          <p:cNvPr id="22" name="Rectangle 21" descr="Full slide 4-color photo can be inserted here. Customer/Partner and secondary logo can be included" title="Title Slide with Picture and customer/partner logo"/>
+          <p:cNvPr id="22" name="Rectangle 21" descr="Full slide 4-color photo can be inserted here. Customer/Partner and secondary logo can be included"/>
           <p:cNvSpPr/>
           <p:nvPr/>
         </p:nvSpPr>
@@ -12532,7 +12595,8 @@
           <a:p>
             <a:fld id="{CB362E74-A4D2-43EE-A892-9102B4ABDF06}" type="datetime1">
               <a:rPr lang="en-US" smtClean="0"/>
-              <a:t>2/1/2016</a:t>
+              <a:pPr/>
+              <a:t>2/1/16</a:t>
             </a:fld>
             <a:endParaRPr lang="en-US" dirty="0"/>
           </a:p>
@@ -12858,7 +12922,7 @@
       </p:sp>
       <p:pic>
         <p:nvPicPr>
-          <p:cNvPr id="15" name="Picture 14" descr="Oracle logo in white on red staging background" title="Oracle red badge logo"/>
+          <p:cNvPr id="15" name="Picture 14" descr="Oracle logo in white on red staging background"/>
           <p:cNvPicPr>
             <a:picLocks noChangeAspect="1"/>
           </p:cNvPicPr>
@@ -12868,7 +12932,7 @@
           <a:blip r:embed="rId3">
             <a:extLst>
               <a:ext uri="{28A0092B-C50C-407E-A947-70E740481C1C}">
-                <a14:useLocalDpi xmlns:a14="http://schemas.microsoft.com/office/drawing/2010/main" val="0"/>
+                <a14:useLocalDpi xmlns:a14="http://schemas.microsoft.com/office/drawing/2010/main" xmlns:p="http://schemas.openxmlformats.org/presentationml/2006/main" xmlns:r="http://schemas.openxmlformats.org/officeDocument/2006/relationships" xmlns:a="http://schemas.openxmlformats.org/drawingml/2006/main" xmlns="" val="0"/>
               </a:ext>
             </a:extLst>
           </a:blip>
@@ -12889,20 +12953,20 @@
     </p:spTree>
     <p:extLst>
       <p:ext uri="{BB962C8B-B14F-4D97-AF65-F5344CB8AC3E}">
-        <p14:creationId xmlns:p14="http://schemas.microsoft.com/office/powerpoint/2010/main" val="2558980567"/>
+        <p14:creationId xmlns:p14="http://schemas.microsoft.com/office/powerpoint/2010/main" xmlns:p="http://schemas.openxmlformats.org/presentationml/2006/main" xmlns:r="http://schemas.openxmlformats.org/officeDocument/2006/relationships" xmlns:a="http://schemas.openxmlformats.org/drawingml/2006/main" xmlns="" val="2558980567"/>
       </p:ext>
     </p:extLst>
   </p:cSld>
   <p:clrMapOvr>
     <a:overrideClrMapping bg1="dk1" tx1="lt1" bg2="dk2" tx2="lt2" accent1="accent1" accent2="accent2" accent3="accent3" accent4="accent4" accent5="accent5" accent6="accent6" hlink="hlink" folHlink="folHlink"/>
   </p:clrMapOvr>
-  <mc:AlternateContent xmlns:mc="http://schemas.openxmlformats.org/markup-compatibility/2006" xmlns:p14="http://schemas.microsoft.com/office/powerpoint/2010/main">
-    <mc:Choice Requires="p14">
+  <mc:AlternateContent>
+    <mc:Choice xmlns:mc="http://schemas.openxmlformats.org/markup-compatibility/2006" xmlns:p14="http://schemas.microsoft.com/office/powerpoint/2010/main" xmlns:p="http://schemas.openxmlformats.org/presentationml/2006/main" xmlns:r="http://schemas.openxmlformats.org/officeDocument/2006/relationships" xmlns:a="http://schemas.openxmlformats.org/drawingml/2006/main" xmlns="" Requires="p14">
       <p:transition spd="med" p14:dur="700">
         <p:fade/>
       </p:transition>
     </mc:Choice>
-    <mc:Fallback xmlns="">
+    <mc:Fallback>
       <p:transition spd="med">
         <p:fade/>
       </p:transition>
@@ -12919,7 +12983,7 @@
 </file>
 
 <file path=ppt/slideLayouts/slideLayout5.xml><?xml version="1.0" encoding="utf-8"?>
-<p:sldLayout xmlns:a="http://schemas.openxmlformats.org/drawingml/2006/main" xmlns:r="http://schemas.openxmlformats.org/officeDocument/2006/relationships" xmlns:p="http://schemas.openxmlformats.org/presentationml/2006/main" showMasterSp="0" preserve="1">
+<p:sldLayout xmlns:a="http://schemas.openxmlformats.org/drawingml/2006/main" xmlns:r="http://schemas.openxmlformats.org/officeDocument/2006/relationships" xmlns:mc="http://schemas.openxmlformats.org/markup-compatibility/2006" xmlns:mv="urn:schemas-microsoft-com:mac:vml" xmlns:p="http://schemas.openxmlformats.org/presentationml/2006/main" mc:Ignorable="mv" mc:PreserveAttributes="mv:*" showMasterSp="0" preserve="1">
   <p:cSld name="Title Slide with Picture and 2 Logos">
     <p:bg>
       <p:bgPr>
@@ -12951,7 +13015,7 @@
       </p:grpSpPr>
       <p:sp>
         <p:nvSpPr>
-          <p:cNvPr id="22" name="Rectangle 21" descr="Full slide 4-color photo can be inserted here. Customer/Partner and secondary logo can be included" title="Title Slide with Picture and customer/partner logo"/>
+          <p:cNvPr id="22" name="Rectangle 21" descr="Full slide 4-color photo can be inserted here. Customer/Partner and secondary logo can be included"/>
           <p:cNvSpPr/>
           <p:nvPr/>
         </p:nvSpPr>
@@ -13179,7 +13243,8 @@
           <a:p>
             <a:fld id="{6FCFE322-F1F7-42B6-B5E3-8A007B49FEF2}" type="datetime1">
               <a:rPr lang="en-US" smtClean="0"/>
-              <a:t>2/1/2016</a:t>
+              <a:pPr/>
+              <a:t>2/1/16</a:t>
             </a:fld>
             <a:endParaRPr lang="en-US" dirty="0"/>
           </a:p>
@@ -13561,7 +13626,7 @@
       </p:sp>
       <p:pic>
         <p:nvPicPr>
-          <p:cNvPr id="16" name="Picture 15" descr="Oracle logo in white on red staging background" title="Oracle red badge logo"/>
+          <p:cNvPr id="16" name="Picture 15" descr="Oracle logo in white on red staging background"/>
           <p:cNvPicPr>
             <a:picLocks noChangeAspect="1"/>
           </p:cNvPicPr>
@@ -13571,7 +13636,7 @@
           <a:blip r:embed="rId3">
             <a:extLst>
               <a:ext uri="{28A0092B-C50C-407E-A947-70E740481C1C}">
-                <a14:useLocalDpi xmlns:a14="http://schemas.microsoft.com/office/drawing/2010/main" val="0"/>
+                <a14:useLocalDpi xmlns:a14="http://schemas.microsoft.com/office/drawing/2010/main" xmlns:p="http://schemas.openxmlformats.org/presentationml/2006/main" xmlns:r="http://schemas.openxmlformats.org/officeDocument/2006/relationships" xmlns:a="http://schemas.openxmlformats.org/drawingml/2006/main" xmlns="" val="0"/>
               </a:ext>
             </a:extLst>
           </a:blip>
@@ -13592,20 +13657,20 @@
     </p:spTree>
     <p:extLst>
       <p:ext uri="{BB962C8B-B14F-4D97-AF65-F5344CB8AC3E}">
-        <p14:creationId xmlns:p14="http://schemas.microsoft.com/office/powerpoint/2010/main" val="38852066"/>
+        <p14:creationId xmlns:p14="http://schemas.microsoft.com/office/powerpoint/2010/main" xmlns:p="http://schemas.openxmlformats.org/presentationml/2006/main" xmlns:r="http://schemas.openxmlformats.org/officeDocument/2006/relationships" xmlns:a="http://schemas.openxmlformats.org/drawingml/2006/main" xmlns="" val="38852066"/>
       </p:ext>
     </p:extLst>
   </p:cSld>
   <p:clrMapOvr>
     <a:overrideClrMapping bg1="dk1" tx1="lt1" bg2="dk2" tx2="lt2" accent1="accent1" accent2="accent2" accent3="accent3" accent4="accent4" accent5="accent5" accent6="accent6" hlink="hlink" folHlink="folHlink"/>
   </p:clrMapOvr>
-  <mc:AlternateContent xmlns:mc="http://schemas.openxmlformats.org/markup-compatibility/2006" xmlns:p14="http://schemas.microsoft.com/office/powerpoint/2010/main">
-    <mc:Choice Requires="p14">
+  <mc:AlternateContent>
+    <mc:Choice xmlns:mc="http://schemas.openxmlformats.org/markup-compatibility/2006" xmlns:p14="http://schemas.microsoft.com/office/powerpoint/2010/main" xmlns:p="http://schemas.openxmlformats.org/presentationml/2006/main" xmlns:r="http://schemas.openxmlformats.org/officeDocument/2006/relationships" xmlns:a="http://schemas.openxmlformats.org/drawingml/2006/main" xmlns="" Requires="p14">
       <p:transition spd="med" p14:dur="700">
         <p:fade/>
       </p:transition>
     </mc:Choice>
-    <mc:Fallback xmlns="">
+    <mc:Fallback>
       <p:transition spd="med">
         <p:fade/>
       </p:transition>
@@ -13622,7 +13687,7 @@
 </file>
 
 <file path=ppt/slideLayouts/slideLayout6.xml><?xml version="1.0" encoding="utf-8"?>
-<p:sldLayout xmlns:a="http://schemas.openxmlformats.org/drawingml/2006/main" xmlns:r="http://schemas.openxmlformats.org/officeDocument/2006/relationships" xmlns:p="http://schemas.openxmlformats.org/presentationml/2006/main" type="obj" preserve="1">
+<p:sldLayout xmlns:a="http://schemas.openxmlformats.org/drawingml/2006/main" xmlns:r="http://schemas.openxmlformats.org/officeDocument/2006/relationships" xmlns:mc="http://schemas.openxmlformats.org/markup-compatibility/2006" xmlns:mv="urn:schemas-microsoft-com:mac:vml" xmlns:p="http://schemas.openxmlformats.org/presentationml/2006/main" mc:Ignorable="mv" mc:PreserveAttributes="mv:*" type="obj" preserve="1">
   <p:cSld name="Title and Content">
     <p:spTree>
       <p:nvGrpSpPr>
@@ -13735,7 +13800,8 @@
           <a:p>
             <a:fld id="{679D9668-AECB-427A-9EB3-8F6E3EA2061C}" type="datetime1">
               <a:rPr lang="en-US" smtClean="0"/>
-              <a:t>2/1/2016</a:t>
+              <a:pPr/>
+              <a:t>2/1/16</a:t>
             </a:fld>
             <a:endParaRPr dirty="0"/>
           </a:p>
@@ -13781,6 +13847,7 @@
           <a:p>
             <a:fld id="{C51EAA63-D034-42AE-91FA-B13B9518C7BE}" type="slidenum">
               <a:rPr/>
+              <a:pPr/>
               <a:t>‹#›</a:t>
             </a:fld>
             <a:endParaRPr dirty="0"/>
@@ -13790,20 +13857,20 @@
     </p:spTree>
     <p:extLst>
       <p:ext uri="{BB962C8B-B14F-4D97-AF65-F5344CB8AC3E}">
-        <p14:creationId xmlns:p14="http://schemas.microsoft.com/office/powerpoint/2010/main" val="207523840"/>
+        <p14:creationId xmlns:p14="http://schemas.microsoft.com/office/powerpoint/2010/main" xmlns:p="http://schemas.openxmlformats.org/presentationml/2006/main" xmlns:r="http://schemas.openxmlformats.org/officeDocument/2006/relationships" xmlns:a="http://schemas.openxmlformats.org/drawingml/2006/main" xmlns="" val="207523840"/>
       </p:ext>
     </p:extLst>
   </p:cSld>
   <p:clrMapOvr>
     <a:masterClrMapping/>
   </p:clrMapOvr>
-  <mc:AlternateContent xmlns:mc="http://schemas.openxmlformats.org/markup-compatibility/2006" xmlns:p14="http://schemas.microsoft.com/office/powerpoint/2010/main">
-    <mc:Choice Requires="p14">
+  <mc:AlternateContent>
+    <mc:Choice xmlns:mc="http://schemas.openxmlformats.org/markup-compatibility/2006" xmlns:p14="http://schemas.microsoft.com/office/powerpoint/2010/main" xmlns:p="http://schemas.openxmlformats.org/presentationml/2006/main" xmlns:r="http://schemas.openxmlformats.org/officeDocument/2006/relationships" xmlns:a="http://schemas.openxmlformats.org/drawingml/2006/main" xmlns="" Requires="p14">
       <p:transition spd="med" p14:dur="700">
         <p:fade/>
       </p:transition>
     </mc:Choice>
-    <mc:Fallback xmlns="">
+    <mc:Fallback>
       <p:transition spd="med">
         <p:fade/>
       </p:transition>
@@ -13820,7 +13887,7 @@
 </file>
 
 <file path=ppt/slideLayouts/slideLayout7.xml><?xml version="1.0" encoding="utf-8"?>
-<p:sldLayout xmlns:a="http://schemas.openxmlformats.org/drawingml/2006/main" xmlns:r="http://schemas.openxmlformats.org/officeDocument/2006/relationships" xmlns:p="http://schemas.openxmlformats.org/presentationml/2006/main" preserve="1">
+<p:sldLayout xmlns:a="http://schemas.openxmlformats.org/drawingml/2006/main" xmlns:r="http://schemas.openxmlformats.org/officeDocument/2006/relationships" xmlns:mc="http://schemas.openxmlformats.org/markup-compatibility/2006" xmlns:mv="urn:schemas-microsoft-com:mac:vml" xmlns:p="http://schemas.openxmlformats.org/presentationml/2006/main" mc:Ignorable="mv" mc:PreserveAttributes="mv:*" preserve="1">
   <p:cSld name="Title, Subtitle, and Content">
     <p:spTree>
       <p:nvGrpSpPr>
@@ -13933,7 +14000,8 @@
           <a:p>
             <a:fld id="{EB3131D0-782E-403C-BDA9-BA0A8312D8ED}" type="datetime1">
               <a:rPr lang="en-US" smtClean="0"/>
-              <a:t>2/1/2016</a:t>
+              <a:pPr/>
+              <a:t>2/1/16</a:t>
             </a:fld>
             <a:endParaRPr dirty="0"/>
           </a:p>
@@ -13979,6 +14047,7 @@
           <a:p>
             <a:fld id="{C51EAA63-D034-42AE-91FA-B13B9518C7BE}" type="slidenum">
               <a:rPr/>
+              <a:pPr/>
               <a:t>‹#›</a:t>
             </a:fld>
             <a:endParaRPr dirty="0"/>
@@ -14067,20 +14136,20 @@
     </p:spTree>
     <p:extLst>
       <p:ext uri="{BB962C8B-B14F-4D97-AF65-F5344CB8AC3E}">
-        <p14:creationId xmlns:p14="http://schemas.microsoft.com/office/powerpoint/2010/main" val="3371768353"/>
+        <p14:creationId xmlns:p14="http://schemas.microsoft.com/office/powerpoint/2010/main" xmlns:p="http://schemas.openxmlformats.org/presentationml/2006/main" xmlns:r="http://schemas.openxmlformats.org/officeDocument/2006/relationships" xmlns:a="http://schemas.openxmlformats.org/drawingml/2006/main" xmlns="" val="3371768353"/>
       </p:ext>
     </p:extLst>
   </p:cSld>
   <p:clrMapOvr>
     <a:masterClrMapping/>
   </p:clrMapOvr>
-  <mc:AlternateContent xmlns:mc="http://schemas.openxmlformats.org/markup-compatibility/2006" xmlns:p14="http://schemas.microsoft.com/office/powerpoint/2010/main">
-    <mc:Choice Requires="p14">
+  <mc:AlternateContent>
+    <mc:Choice xmlns:mc="http://schemas.openxmlformats.org/markup-compatibility/2006" xmlns:p14="http://schemas.microsoft.com/office/powerpoint/2010/main" xmlns:p="http://schemas.openxmlformats.org/presentationml/2006/main" xmlns:r="http://schemas.openxmlformats.org/officeDocument/2006/relationships" xmlns:a="http://schemas.openxmlformats.org/drawingml/2006/main" xmlns="" Requires="p14">
       <p:transition spd="med" p14:dur="700">
         <p:fade/>
       </p:transition>
     </mc:Choice>
-    <mc:Fallback xmlns="">
+    <mc:Fallback>
       <p:transition spd="med">
         <p:fade/>
       </p:transition>
@@ -14097,7 +14166,7 @@
 </file>
 
 <file path=ppt/slideLayouts/slideLayout8.xml><?xml version="1.0" encoding="utf-8"?>
-<p:sldLayout xmlns:a="http://schemas.openxmlformats.org/drawingml/2006/main" xmlns:r="http://schemas.openxmlformats.org/officeDocument/2006/relationships" xmlns:p="http://schemas.openxmlformats.org/presentationml/2006/main" preserve="1">
+<p:sldLayout xmlns:a="http://schemas.openxmlformats.org/drawingml/2006/main" xmlns:r="http://schemas.openxmlformats.org/officeDocument/2006/relationships" xmlns:mc="http://schemas.openxmlformats.org/markup-compatibility/2006" xmlns:mv="urn:schemas-microsoft-com:mac:vml" xmlns:p="http://schemas.openxmlformats.org/presentationml/2006/main" mc:Ignorable="mv" mc:PreserveAttributes="mv:*" preserve="1">
   <p:cSld name="Program Agenda">
     <p:spTree>
       <p:nvGrpSpPr>
@@ -14153,7 +14222,8 @@
           <a:p>
             <a:fld id="{F16C28CD-1D26-490E-B585-7D192DD4910E}" type="datetime1">
               <a:rPr lang="en-US" smtClean="0"/>
-              <a:t>2/1/2016</a:t>
+              <a:pPr/>
+              <a:t>2/1/16</a:t>
             </a:fld>
             <a:endParaRPr dirty="0"/>
           </a:p>
@@ -14199,6 +14269,7 @@
           <a:p>
             <a:fld id="{C51EAA63-D034-42AE-91FA-B13B9518C7BE}" type="slidenum">
               <a:rPr/>
+              <a:pPr/>
               <a:t>‹#›</a:t>
             </a:fld>
             <a:endParaRPr dirty="0"/>
@@ -14331,20 +14402,20 @@
     </p:spTree>
     <p:extLst>
       <p:ext uri="{BB962C8B-B14F-4D97-AF65-F5344CB8AC3E}">
-        <p14:creationId xmlns:p14="http://schemas.microsoft.com/office/powerpoint/2010/main" val="681229641"/>
+        <p14:creationId xmlns:p14="http://schemas.microsoft.com/office/powerpoint/2010/main" xmlns:p="http://schemas.openxmlformats.org/presentationml/2006/main" xmlns:r="http://schemas.openxmlformats.org/officeDocument/2006/relationships" xmlns:a="http://schemas.openxmlformats.org/drawingml/2006/main" xmlns="" val="681229641"/>
       </p:ext>
     </p:extLst>
   </p:cSld>
   <p:clrMapOvr>
     <a:masterClrMapping/>
   </p:clrMapOvr>
-  <mc:AlternateContent xmlns:mc="http://schemas.openxmlformats.org/markup-compatibility/2006" xmlns:p14="http://schemas.microsoft.com/office/powerpoint/2010/main">
-    <mc:Choice Requires="p14">
+  <mc:AlternateContent>
+    <mc:Choice xmlns:mc="http://schemas.openxmlformats.org/markup-compatibility/2006" xmlns:p14="http://schemas.microsoft.com/office/powerpoint/2010/main" xmlns:p="http://schemas.openxmlformats.org/presentationml/2006/main" xmlns:r="http://schemas.openxmlformats.org/officeDocument/2006/relationships" xmlns:a="http://schemas.openxmlformats.org/drawingml/2006/main" xmlns="" Requires="p14">
       <p:transition spd="med" p14:dur="700">
         <p:fade/>
       </p:transition>
     </mc:Choice>
-    <mc:Fallback xmlns="">
+    <mc:Fallback>
       <p:transition spd="med">
         <p:fade/>
       </p:transition>
@@ -14361,7 +14432,7 @@
 </file>
 
 <file path=ppt/slideLayouts/slideLayout9.xml><?xml version="1.0" encoding="utf-8"?>
-<p:sldLayout xmlns:a="http://schemas.openxmlformats.org/drawingml/2006/main" xmlns:r="http://schemas.openxmlformats.org/officeDocument/2006/relationships" xmlns:p="http://schemas.openxmlformats.org/presentationml/2006/main" type="secHead" preserve="1">
+<p:sldLayout xmlns:a="http://schemas.openxmlformats.org/drawingml/2006/main" xmlns:r="http://schemas.openxmlformats.org/officeDocument/2006/relationships" xmlns:mc="http://schemas.openxmlformats.org/markup-compatibility/2006" xmlns:mv="urn:schemas-microsoft-com:mac:vml" xmlns:p="http://schemas.openxmlformats.org/presentationml/2006/main" mc:Ignorable="mv" mc:PreserveAttributes="mv:*" type="secHead" preserve="1">
   <p:cSld name="Section Header without Picture">
     <p:spTree>
       <p:nvGrpSpPr>
@@ -14551,7 +14622,8 @@
           <a:p>
             <a:fld id="{FB0CCE40-D9A5-4236-A3C9-4FC8EFE7F6AD}" type="datetime1">
               <a:rPr lang="en-US" smtClean="0"/>
-              <a:t>2/1/2016</a:t>
+              <a:pPr/>
+              <a:t>2/1/16</a:t>
             </a:fld>
             <a:endParaRPr dirty="0"/>
           </a:p>
@@ -14597,6 +14669,7 @@
           <a:p>
             <a:fld id="{C51EAA63-D034-42AE-91FA-B13B9518C7BE}" type="slidenum">
               <a:rPr/>
+              <a:pPr/>
               <a:t>‹#›</a:t>
             </a:fld>
             <a:endParaRPr dirty="0"/>
@@ -14606,20 +14679,20 @@
     </p:spTree>
     <p:extLst>
       <p:ext uri="{BB962C8B-B14F-4D97-AF65-F5344CB8AC3E}">
-        <p14:creationId xmlns:p14="http://schemas.microsoft.com/office/powerpoint/2010/main" val="1513853333"/>
+        <p14:creationId xmlns:p14="http://schemas.microsoft.com/office/powerpoint/2010/main" xmlns:p="http://schemas.openxmlformats.org/presentationml/2006/main" xmlns:r="http://schemas.openxmlformats.org/officeDocument/2006/relationships" xmlns:a="http://schemas.openxmlformats.org/drawingml/2006/main" xmlns="" val="1513853333"/>
       </p:ext>
     </p:extLst>
   </p:cSld>
   <p:clrMapOvr>
     <a:masterClrMapping/>
   </p:clrMapOvr>
-  <mc:AlternateContent xmlns:mc="http://schemas.openxmlformats.org/markup-compatibility/2006" xmlns:p14="http://schemas.microsoft.com/office/powerpoint/2010/main">
-    <mc:Choice Requires="p14">
+  <mc:AlternateContent>
+    <mc:Choice xmlns:mc="http://schemas.openxmlformats.org/markup-compatibility/2006" xmlns:p14="http://schemas.microsoft.com/office/powerpoint/2010/main" xmlns:p="http://schemas.openxmlformats.org/presentationml/2006/main" xmlns:r="http://schemas.openxmlformats.org/officeDocument/2006/relationships" xmlns:a="http://schemas.openxmlformats.org/drawingml/2006/main" xmlns="" Requires="p14">
       <p:transition spd="med" p14:dur="700">
         <p:fade/>
       </p:transition>
     </mc:Choice>
-    <mc:Fallback xmlns="">
+    <mc:Fallback>
       <p:transition spd="med">
         <p:fade/>
       </p:transition>
@@ -14636,7 +14709,7 @@
 </file>
 
 <file path=ppt/slideMasters/slideMaster1.xml><?xml version="1.0" encoding="utf-8"?>
-<p:sldMaster xmlns:a="http://schemas.openxmlformats.org/drawingml/2006/main" xmlns:r="http://schemas.openxmlformats.org/officeDocument/2006/relationships" xmlns:p="http://schemas.openxmlformats.org/presentationml/2006/main">
+<p:sldMaster xmlns:a="http://schemas.openxmlformats.org/drawingml/2006/main" xmlns:r="http://schemas.openxmlformats.org/officeDocument/2006/relationships" xmlns:mc="http://schemas.openxmlformats.org/markup-compatibility/2006" xmlns:mv="urn:schemas-microsoft-com:mac:vml" xmlns:p="http://schemas.openxmlformats.org/presentationml/2006/main" mc:Ignorable="mv" mc:PreserveAttributes="mv:*">
   <p:cSld>
     <p:bg>
       <p:bgRef idx="1001">
@@ -14982,7 +15055,8 @@
           <a:p>
             <a:fld id="{F224262D-C585-4EC1-9441-988465B13A3B}" type="datetime1">
               <a:rPr lang="en-US" smtClean="0"/>
-              <a:t>2/1/2016</a:t>
+              <a:pPr/>
+              <a:t>2/1/16</a:t>
             </a:fld>
             <a:endParaRPr lang="en-US" dirty="0"/>
           </a:p>
@@ -15152,7 +15226,7 @@
       </p:sp>
       <p:pic>
         <p:nvPicPr>
-          <p:cNvPr id="16" name="Picture 15" descr="Oracle logo in white on red staging background" title="Oracle red badge logo"/>
+          <p:cNvPr id="16" name="Picture 15" descr="Oracle logo in white on red staging background"/>
           <p:cNvPicPr>
             <a:picLocks noChangeAspect="1"/>
           </p:cNvPicPr>
@@ -15162,7 +15236,7 @@
           <a:blip r:embed="rId41">
             <a:extLst>
               <a:ext uri="{28A0092B-C50C-407E-A947-70E740481C1C}">
-                <a14:useLocalDpi xmlns:a14="http://schemas.microsoft.com/office/drawing/2010/main" val="0"/>
+                <a14:useLocalDpi xmlns:a14="http://schemas.microsoft.com/office/drawing/2010/main" xmlns:p="http://schemas.openxmlformats.org/presentationml/2006/main" xmlns:r="http://schemas.openxmlformats.org/officeDocument/2006/relationships" xmlns:a="http://schemas.openxmlformats.org/drawingml/2006/main" xmlns="" val="0"/>
               </a:ext>
             </a:extLst>
           </a:blip>
@@ -15183,7 +15257,7 @@
     </p:spTree>
     <p:extLst>
       <p:ext uri="{BB962C8B-B14F-4D97-AF65-F5344CB8AC3E}">
-        <p14:creationId xmlns:p14="http://schemas.microsoft.com/office/powerpoint/2010/main" val="3193062027"/>
+        <p14:creationId xmlns:p14="http://schemas.microsoft.com/office/powerpoint/2010/main" xmlns:p="http://schemas.openxmlformats.org/presentationml/2006/main" xmlns:r="http://schemas.openxmlformats.org/officeDocument/2006/relationships" xmlns:a="http://schemas.openxmlformats.org/drawingml/2006/main" xmlns="" val="3193062027"/>
       </p:ext>
     </p:extLst>
   </p:cSld>
@@ -15229,13 +15303,13 @@
     <p:sldLayoutId id="2147483659" r:id="rId38"/>
     <p:sldLayoutId id="2147483693" r:id="rId39"/>
   </p:sldLayoutIdLst>
-  <mc:AlternateContent xmlns:mc="http://schemas.openxmlformats.org/markup-compatibility/2006" xmlns:p14="http://schemas.microsoft.com/office/powerpoint/2010/main">
-    <mc:Choice Requires="p14">
+  <mc:AlternateContent>
+    <mc:Choice xmlns:mc="http://schemas.openxmlformats.org/markup-compatibility/2006" xmlns:p14="http://schemas.microsoft.com/office/powerpoint/2010/main" xmlns:p="http://schemas.openxmlformats.org/presentationml/2006/main" xmlns:r="http://schemas.openxmlformats.org/officeDocument/2006/relationships" xmlns:a="http://schemas.openxmlformats.org/drawingml/2006/main" xmlns="" Requires="p14">
       <p:transition spd="med" p14:dur="700">
         <p:fade/>
       </p:transition>
     </mc:Choice>
-    <mc:Fallback xmlns="">
+    <mc:Fallback>
       <p:transition spd="med">
         <p:fade/>
       </p:transition>
@@ -15585,7 +15659,7 @@
   </p:txStyles>
   <p:extLst mod="1">
     <p:ext uri="{27BBF7A9-308A-43DC-89C8-2F10F3537804}">
-      <p15:sldGuideLst xmlns="" xmlns:p15="http://schemas.microsoft.com/office/powerpoint/2012/main">
+      <p15:sldGuideLst xmlns:p15="http://schemas.microsoft.com/office/powerpoint/2012/main" xmlns="" xmlns:p="http://schemas.openxmlformats.org/presentationml/2006/main" xmlns:r="http://schemas.openxmlformats.org/officeDocument/2006/relationships" xmlns:a="http://schemas.openxmlformats.org/drawingml/2006/main">
         <p15:guide id="1" orient="horz" pos="2160" userDrawn="1">
           <p15:clr>
             <a:srgbClr val="F26B43"/>
@@ -15603,7 +15677,7 @@
 </file>
 
 <file path=ppt/slides/slide1.xml><?xml version="1.0" encoding="utf-8"?>
-<p:sld xmlns:a="http://schemas.openxmlformats.org/drawingml/2006/main" xmlns:r="http://schemas.openxmlformats.org/officeDocument/2006/relationships" xmlns:p="http://schemas.openxmlformats.org/presentationml/2006/main">
+<p:sld xmlns:a="http://schemas.openxmlformats.org/drawingml/2006/main" xmlns:r="http://schemas.openxmlformats.org/officeDocument/2006/relationships" xmlns:mc="http://schemas.openxmlformats.org/markup-compatibility/2006" xmlns:mv="urn:schemas-microsoft-com:mac:vml" xmlns:p="http://schemas.openxmlformats.org/presentationml/2006/main" mc:Ignorable="mv" mc:PreserveAttributes="mv:*">
   <p:cSld>
     <p:spTree>
       <p:nvGrpSpPr>
@@ -15682,11 +15756,7 @@
           <a:p>
             <a:r>
               <a:rPr lang="en-US" dirty="0" smtClean="0"/>
-              <a:t>Stephen </a:t>
-            </a:r>
-            <a:r>
-              <a:rPr lang="en-US" dirty="0" smtClean="0"/>
-              <a:t>Dimig</a:t>
+              <a:t>Stephen Dimig</a:t>
             </a:r>
             <a:endParaRPr lang="en-US" dirty="0"/>
           </a:p>
@@ -15731,20 +15801,20 @@
     </p:spTree>
     <p:extLst>
       <p:ext uri="{BB962C8B-B14F-4D97-AF65-F5344CB8AC3E}">
-        <p14:creationId xmlns:p14="http://schemas.microsoft.com/office/powerpoint/2010/main" val="2210698077"/>
+        <p14:creationId xmlns:p14="http://schemas.microsoft.com/office/powerpoint/2010/main" xmlns:p="http://schemas.openxmlformats.org/presentationml/2006/main" xmlns:r="http://schemas.openxmlformats.org/officeDocument/2006/relationships" xmlns:a="http://schemas.openxmlformats.org/drawingml/2006/main" xmlns="" val="2210698077"/>
       </p:ext>
     </p:extLst>
   </p:cSld>
   <p:clrMapOvr>
     <a:masterClrMapping/>
   </p:clrMapOvr>
-  <mc:AlternateContent xmlns:mc="http://schemas.openxmlformats.org/markup-compatibility/2006" xmlns:p14="http://schemas.microsoft.com/office/powerpoint/2010/main">
-    <mc:Choice Requires="p14">
+  <mc:AlternateContent>
+    <mc:Choice xmlns:mc="http://schemas.openxmlformats.org/markup-compatibility/2006" xmlns:p14="http://schemas.microsoft.com/office/powerpoint/2010/main" xmlns:p="http://schemas.openxmlformats.org/presentationml/2006/main" xmlns:r="http://schemas.openxmlformats.org/officeDocument/2006/relationships" xmlns:a="http://schemas.openxmlformats.org/drawingml/2006/main" xmlns="" Requires="p14">
       <p:transition spd="med" p14:dur="700">
         <p:fade/>
       </p:transition>
     </mc:Choice>
-    <mc:Fallback xmlns="">
+    <mc:Fallback>
       <p:transition spd="med">
         <p:fade/>
       </p:transition>
@@ -15761,7 +15831,7 @@
 </file>
 
 <file path=ppt/slides/slide2.xml><?xml version="1.0" encoding="utf-8"?>
-<p:sld xmlns:a="http://schemas.openxmlformats.org/drawingml/2006/main" xmlns:r="http://schemas.openxmlformats.org/officeDocument/2006/relationships" xmlns:p="http://schemas.openxmlformats.org/presentationml/2006/main">
+<p:sld xmlns:a="http://schemas.openxmlformats.org/drawingml/2006/main" xmlns:r="http://schemas.openxmlformats.org/officeDocument/2006/relationships" xmlns:mc="http://schemas.openxmlformats.org/markup-compatibility/2006" xmlns:mv="urn:schemas-microsoft-com:mac:vml" xmlns:p="http://schemas.openxmlformats.org/presentationml/2006/main" mc:Ignorable="mv" mc:PreserveAttributes="mv:*">
   <p:cSld>
     <p:spTree>
       <p:nvGrpSpPr>
@@ -16068,16 +16138,52 @@
             </a:pPr>
             <a:r>
               <a:rPr lang="en-US" dirty="0"/>
-              <a:t>The goal of this paper is to analyze the transportation dataset from the US Bureau of Transportation Statistics (BTS) that is hosted as an Amazon EBS volume snapshot and answer a set of interesting questions about </a:t>
-            </a:r>
-            <a:r>
-              <a:rPr lang="en-US" dirty="0" err="1"/>
-              <a:t>it.The</a:t>
+              <a:t>The goal of this paper is to analyze the transportation dataset from the US Bureau of Transportation Statistics (BTS) that is hosted as an Amazon EBS volume snapshot and answer a set of interesting questions about it</a:t>
+            </a:r>
+            <a:r>
+              <a:rPr lang="en-US" dirty="0" smtClean="0"/>
+              <a:t>. The </a:t>
             </a:r>
             <a:r>
               <a:rPr lang="en-US" dirty="0"/>
-              <a:t> dataset contains data and statistics from the US Department of Transportation on Aviation in CSV format. The dataset we are using does not extend beyond 2008, it contains flight data such as departure and arrival delays, flight times, etc. The set of questions that will be answered fall into three groups as outlined below.</a:t>
-            </a:r>
+              <a:t>dataset contains data and statistics from the US Department of Transportation on Aviation in CSV format. The dataset we are using does not extend beyond 2008, it contains flight data such as departure and arrival delays, flight times, etc. The set of questions that will be answered fall into three groups as outlined </a:t>
+            </a:r>
+            <a:r>
+              <a:rPr lang="en-US" dirty="0" smtClean="0"/>
+              <a:t>below. </a:t>
+            </a:r>
+            <a:r>
+              <a:rPr lang="en-US" dirty="0" smtClean="0"/>
+              <a:t>All code and results for this project can be viewed at:</a:t>
+            </a:r>
+          </a:p>
+          <a:p>
+            <a:pPr marL="0" indent="0" algn="ctr">
+              <a:buNone/>
+            </a:pPr>
+            <a:r>
+              <a:rPr lang="en-US" sz="3200" dirty="0" smtClean="0"/>
+              <a:t>https://</a:t>
+            </a:r>
+            <a:r>
+              <a:rPr lang="en-US" sz="3200" dirty="0" err="1" smtClean="0"/>
+              <a:t>github.com/stephendimig/cc</a:t>
+            </a:r>
+            <a:r>
+              <a:rPr lang="en-US" sz="3200" dirty="0" smtClean="0"/>
+              <a:t>-capstone</a:t>
+            </a:r>
+          </a:p>
+          <a:p>
+            <a:pPr marL="0" indent="0">
+              <a:buNone/>
+            </a:pPr>
+            <a:endParaRPr lang="en-US" dirty="0" smtClean="0"/>
+          </a:p>
+          <a:p>
+            <a:pPr marL="0" indent="0">
+              <a:buNone/>
+            </a:pPr>
             <a:endParaRPr lang="en-US" dirty="0" smtClean="0"/>
           </a:p>
         </p:txBody>
@@ -16085,20 +16191,20 @@
     </p:spTree>
     <p:extLst>
       <p:ext uri="{BB962C8B-B14F-4D97-AF65-F5344CB8AC3E}">
-        <p14:creationId xmlns:p14="http://schemas.microsoft.com/office/powerpoint/2010/main" val="1854114352"/>
+        <p14:creationId xmlns:p14="http://schemas.microsoft.com/office/powerpoint/2010/main" xmlns:p="http://schemas.openxmlformats.org/presentationml/2006/main" xmlns:r="http://schemas.openxmlformats.org/officeDocument/2006/relationships" xmlns:a="http://schemas.openxmlformats.org/drawingml/2006/main" xmlns="" val="1854114352"/>
       </p:ext>
     </p:extLst>
   </p:cSld>
   <p:clrMapOvr>
     <a:masterClrMapping/>
   </p:clrMapOvr>
-  <mc:AlternateContent xmlns:mc="http://schemas.openxmlformats.org/markup-compatibility/2006" xmlns:p14="http://schemas.microsoft.com/office/powerpoint/2010/main">
-    <mc:Choice Requires="p14">
+  <mc:AlternateContent>
+    <mc:Choice xmlns:mc="http://schemas.openxmlformats.org/markup-compatibility/2006" xmlns:p14="http://schemas.microsoft.com/office/powerpoint/2010/main" xmlns:p="http://schemas.openxmlformats.org/presentationml/2006/main" xmlns:r="http://schemas.openxmlformats.org/officeDocument/2006/relationships" xmlns:a="http://schemas.openxmlformats.org/drawingml/2006/main" xmlns="" Requires="p14">
       <p:transition spd="med" p14:dur="700">
         <p:fade/>
       </p:transition>
     </mc:Choice>
-    <mc:Fallback xmlns="">
+    <mc:Fallback>
       <p:transition spd="med">
         <p:fade/>
       </p:transition>
@@ -16115,7 +16221,7 @@
 </file>
 
 <file path=ppt/slides/slide3.xml><?xml version="1.0" encoding="utf-8"?>
-<p:sld xmlns:a="http://schemas.openxmlformats.org/drawingml/2006/main" xmlns:r="http://schemas.openxmlformats.org/officeDocument/2006/relationships" xmlns:p="http://schemas.openxmlformats.org/presentationml/2006/main">
+<p:sld xmlns:a="http://schemas.openxmlformats.org/drawingml/2006/main" xmlns:r="http://schemas.openxmlformats.org/officeDocument/2006/relationships" xmlns:mc="http://schemas.openxmlformats.org/markup-compatibility/2006" xmlns:mv="urn:schemas-microsoft-com:mac:vml" xmlns:p="http://schemas.openxmlformats.org/presentationml/2006/main" mc:Ignorable="mv" mc:PreserveAttributes="mv:*">
   <p:cSld>
     <p:spTree>
       <p:nvGrpSpPr>
@@ -16192,7 +16298,7 @@
             <p:ph sz="quarter" idx="12"/>
             <p:extLst>
               <p:ext uri="{D42A27DB-BD31-4B8C-83A1-F6EECF244321}">
-                <p14:modId xmlns:p14="http://schemas.microsoft.com/office/powerpoint/2010/main" val="3345190427"/>
+                <p14:modId xmlns:p14="http://schemas.microsoft.com/office/powerpoint/2010/main" xmlns:p="http://schemas.openxmlformats.org/presentationml/2006/main" xmlns:r="http://schemas.openxmlformats.org/officeDocument/2006/relationships" xmlns:a="http://schemas.openxmlformats.org/drawingml/2006/main" xmlns="" val="3345190427"/>
               </p:ext>
             </p:extLst>
           </p:nvPr>
@@ -16607,20 +16713,20 @@
     </p:spTree>
     <p:extLst>
       <p:ext uri="{BB962C8B-B14F-4D97-AF65-F5344CB8AC3E}">
-        <p14:creationId xmlns:p14="http://schemas.microsoft.com/office/powerpoint/2010/main" val="1454165711"/>
+        <p14:creationId xmlns:p14="http://schemas.microsoft.com/office/powerpoint/2010/main" xmlns:p="http://schemas.openxmlformats.org/presentationml/2006/main" xmlns:r="http://schemas.openxmlformats.org/officeDocument/2006/relationships" xmlns:a="http://schemas.openxmlformats.org/drawingml/2006/main" xmlns="" val="1454165711"/>
       </p:ext>
     </p:extLst>
   </p:cSld>
   <p:clrMapOvr>
     <a:masterClrMapping/>
   </p:clrMapOvr>
-  <mc:AlternateContent xmlns:mc="http://schemas.openxmlformats.org/markup-compatibility/2006" xmlns:p14="http://schemas.microsoft.com/office/powerpoint/2010/main">
-    <mc:Choice Requires="p14">
+  <mc:AlternateContent>
+    <mc:Choice xmlns:mc="http://schemas.openxmlformats.org/markup-compatibility/2006" xmlns:p14="http://schemas.microsoft.com/office/powerpoint/2010/main" xmlns:p="http://schemas.openxmlformats.org/presentationml/2006/main" xmlns:r="http://schemas.openxmlformats.org/officeDocument/2006/relationships" xmlns:a="http://schemas.openxmlformats.org/drawingml/2006/main" xmlns="" Requires="p14">
       <p:transition spd="med" p14:dur="700">
         <p:fade/>
       </p:transition>
     </mc:Choice>
-    <mc:Fallback xmlns="">
+    <mc:Fallback>
       <p:transition spd="med">
         <p:fade/>
       </p:transition>
@@ -16637,7 +16743,7 @@
 </file>
 
 <file path=ppt/slides/slide4.xml><?xml version="1.0" encoding="utf-8"?>
-<p:sld xmlns:a="http://schemas.openxmlformats.org/drawingml/2006/main" xmlns:r="http://schemas.openxmlformats.org/officeDocument/2006/relationships" xmlns:p="http://schemas.openxmlformats.org/presentationml/2006/main">
+<p:sld xmlns:a="http://schemas.openxmlformats.org/drawingml/2006/main" xmlns:r="http://schemas.openxmlformats.org/officeDocument/2006/relationships" xmlns:mc="http://schemas.openxmlformats.org/markup-compatibility/2006" xmlns:mv="urn:schemas-microsoft-com:mac:vml" xmlns:p="http://schemas.openxmlformats.org/presentationml/2006/main" mc:Ignorable="mv" mc:PreserveAttributes="mv:*">
   <p:cSld>
     <p:spTree>
       <p:nvGrpSpPr>
@@ -16724,7 +16830,7 @@
           <a:blip r:embed="rId2" cstate="print">
             <a:extLst>
               <a:ext uri="{28A0092B-C50C-407E-A947-70E740481C1C}">
-                <a14:useLocalDpi xmlns:a14="http://schemas.microsoft.com/office/drawing/2010/main" val="0"/>
+                <a14:useLocalDpi xmlns:a14="http://schemas.microsoft.com/office/drawing/2010/main" xmlns:p="http://schemas.openxmlformats.org/presentationml/2006/main" xmlns:r="http://schemas.openxmlformats.org/officeDocument/2006/relationships" xmlns:a="http://schemas.openxmlformats.org/drawingml/2006/main" xmlns="" val="0"/>
               </a:ext>
             </a:extLst>
           </a:blip>
@@ -16742,20 +16848,20 @@
     </p:spTree>
     <p:extLst>
       <p:ext uri="{BB962C8B-B14F-4D97-AF65-F5344CB8AC3E}">
-        <p14:creationId xmlns:p14="http://schemas.microsoft.com/office/powerpoint/2010/main" val="4031028754"/>
+        <p14:creationId xmlns:p14="http://schemas.microsoft.com/office/powerpoint/2010/main" xmlns:p="http://schemas.openxmlformats.org/presentationml/2006/main" xmlns:r="http://schemas.openxmlformats.org/officeDocument/2006/relationships" xmlns:a="http://schemas.openxmlformats.org/drawingml/2006/main" xmlns="" val="4031028754"/>
       </p:ext>
     </p:extLst>
   </p:cSld>
   <p:clrMapOvr>
     <a:masterClrMapping/>
   </p:clrMapOvr>
-  <mc:AlternateContent xmlns:mc="http://schemas.openxmlformats.org/markup-compatibility/2006" xmlns:p14="http://schemas.microsoft.com/office/powerpoint/2010/main">
-    <mc:Choice Requires="p14">
+  <mc:AlternateContent>
+    <mc:Choice xmlns:mc="http://schemas.openxmlformats.org/markup-compatibility/2006" xmlns:p14="http://schemas.microsoft.com/office/powerpoint/2010/main" xmlns:p="http://schemas.openxmlformats.org/presentationml/2006/main" xmlns:r="http://schemas.openxmlformats.org/officeDocument/2006/relationships" xmlns:a="http://schemas.openxmlformats.org/drawingml/2006/main" xmlns="" Requires="p14">
       <p:transition spd="med" p14:dur="700">
         <p:fade/>
       </p:transition>
     </mc:Choice>
-    <mc:Fallback xmlns="">
+    <mc:Fallback>
       <p:transition spd="med">
         <p:fade/>
       </p:transition>
@@ -16772,7 +16878,7 @@
 </file>
 
 <file path=ppt/slides/slide5.xml><?xml version="1.0" encoding="utf-8"?>
-<p:sld xmlns:a="http://schemas.openxmlformats.org/drawingml/2006/main" xmlns:r="http://schemas.openxmlformats.org/officeDocument/2006/relationships" xmlns:p="http://schemas.openxmlformats.org/presentationml/2006/main">
+<p:sld xmlns:a="http://schemas.openxmlformats.org/drawingml/2006/main" xmlns:r="http://schemas.openxmlformats.org/officeDocument/2006/relationships" xmlns:mc="http://schemas.openxmlformats.org/markup-compatibility/2006" xmlns:mv="urn:schemas-microsoft-com:mac:vml" xmlns:p="http://schemas.openxmlformats.org/presentationml/2006/main" mc:Ignorable="mv" mc:PreserveAttributes="mv:*">
   <p:cSld>
     <p:spTree>
       <p:nvGrpSpPr>
@@ -16863,7 +16969,7 @@
           <a:blip r:embed="rId2" cstate="print">
             <a:extLst>
               <a:ext uri="{28A0092B-C50C-407E-A947-70E740481C1C}">
-                <a14:useLocalDpi xmlns:a14="http://schemas.microsoft.com/office/drawing/2010/main" val="0"/>
+                <a14:useLocalDpi xmlns:a14="http://schemas.microsoft.com/office/drawing/2010/main" xmlns:p="http://schemas.openxmlformats.org/presentationml/2006/main" xmlns:r="http://schemas.openxmlformats.org/officeDocument/2006/relationships" xmlns:a="http://schemas.openxmlformats.org/drawingml/2006/main" xmlns="" val="0"/>
               </a:ext>
             </a:extLst>
           </a:blip>
@@ -16881,20 +16987,20 @@
     </p:spTree>
     <p:extLst>
       <p:ext uri="{BB962C8B-B14F-4D97-AF65-F5344CB8AC3E}">
-        <p14:creationId xmlns:p14="http://schemas.microsoft.com/office/powerpoint/2010/main" val="895587166"/>
+        <p14:creationId xmlns:p14="http://schemas.microsoft.com/office/powerpoint/2010/main" xmlns:p="http://schemas.openxmlformats.org/presentationml/2006/main" xmlns:r="http://schemas.openxmlformats.org/officeDocument/2006/relationships" xmlns:a="http://schemas.openxmlformats.org/drawingml/2006/main" xmlns="" val="895587166"/>
       </p:ext>
     </p:extLst>
   </p:cSld>
   <p:clrMapOvr>
     <a:masterClrMapping/>
   </p:clrMapOvr>
-  <mc:AlternateContent xmlns:mc="http://schemas.openxmlformats.org/markup-compatibility/2006" xmlns:p14="http://schemas.microsoft.com/office/powerpoint/2010/main">
-    <mc:Choice Requires="p14">
+  <mc:AlternateContent>
+    <mc:Choice xmlns:mc="http://schemas.openxmlformats.org/markup-compatibility/2006" xmlns:p14="http://schemas.microsoft.com/office/powerpoint/2010/main" xmlns:p="http://schemas.openxmlformats.org/presentationml/2006/main" xmlns:r="http://schemas.openxmlformats.org/officeDocument/2006/relationships" xmlns:a="http://schemas.openxmlformats.org/drawingml/2006/main" xmlns="" Requires="p14">
       <p:transition spd="med" p14:dur="700">
         <p:fade/>
       </p:transition>
     </mc:Choice>
-    <mc:Fallback xmlns="">
+    <mc:Fallback>
       <p:transition spd="med">
         <p:fade/>
       </p:transition>
@@ -16911,7 +17017,7 @@
 </file>
 
 <file path=ppt/slides/slide6.xml><?xml version="1.0" encoding="utf-8"?>
-<p:sld xmlns:a="http://schemas.openxmlformats.org/drawingml/2006/main" xmlns:r="http://schemas.openxmlformats.org/officeDocument/2006/relationships" xmlns:p="http://schemas.openxmlformats.org/presentationml/2006/main">
+<p:sld xmlns:a="http://schemas.openxmlformats.org/drawingml/2006/main" xmlns:r="http://schemas.openxmlformats.org/officeDocument/2006/relationships" xmlns:mc="http://schemas.openxmlformats.org/markup-compatibility/2006" xmlns:mv="urn:schemas-microsoft-com:mac:vml" xmlns:p="http://schemas.openxmlformats.org/presentationml/2006/main" mc:Ignorable="mv" mc:PreserveAttributes="mv:*">
   <p:cSld>
     <p:spTree>
       <p:nvGrpSpPr>
@@ -16998,7 +17104,7 @@
           <a:blip r:embed="rId2" cstate="print">
             <a:extLst>
               <a:ext uri="{28A0092B-C50C-407E-A947-70E740481C1C}">
-                <a14:useLocalDpi xmlns:a14="http://schemas.microsoft.com/office/drawing/2010/main" val="0"/>
+                <a14:useLocalDpi xmlns:a14="http://schemas.microsoft.com/office/drawing/2010/main" xmlns:p="http://schemas.openxmlformats.org/presentationml/2006/main" xmlns:r="http://schemas.openxmlformats.org/officeDocument/2006/relationships" xmlns:a="http://schemas.openxmlformats.org/drawingml/2006/main" xmlns="" val="0"/>
               </a:ext>
             </a:extLst>
           </a:blip>
@@ -17016,20 +17122,20 @@
     </p:spTree>
     <p:extLst>
       <p:ext uri="{BB962C8B-B14F-4D97-AF65-F5344CB8AC3E}">
-        <p14:creationId xmlns:p14="http://schemas.microsoft.com/office/powerpoint/2010/main" val="3229679889"/>
+        <p14:creationId xmlns:p14="http://schemas.microsoft.com/office/powerpoint/2010/main" xmlns:p="http://schemas.openxmlformats.org/presentationml/2006/main" xmlns:r="http://schemas.openxmlformats.org/officeDocument/2006/relationships" xmlns:a="http://schemas.openxmlformats.org/drawingml/2006/main" xmlns="" val="3229679889"/>
       </p:ext>
     </p:extLst>
   </p:cSld>
   <p:clrMapOvr>
     <a:masterClrMapping/>
   </p:clrMapOvr>
-  <mc:AlternateContent xmlns:mc="http://schemas.openxmlformats.org/markup-compatibility/2006" xmlns:p14="http://schemas.microsoft.com/office/powerpoint/2010/main">
-    <mc:Choice Requires="p14">
+  <mc:AlternateContent>
+    <mc:Choice xmlns:mc="http://schemas.openxmlformats.org/markup-compatibility/2006" xmlns:p14="http://schemas.microsoft.com/office/powerpoint/2010/main" xmlns:p="http://schemas.openxmlformats.org/presentationml/2006/main" xmlns:r="http://schemas.openxmlformats.org/officeDocument/2006/relationships" xmlns:a="http://schemas.openxmlformats.org/drawingml/2006/main" xmlns="" Requires="p14">
       <p:transition spd="med" p14:dur="700">
         <p:fade/>
       </p:transition>
     </mc:Choice>
-    <mc:Fallback xmlns="">
+    <mc:Fallback>
       <p:transition spd="med">
         <p:fade/>
       </p:transition>
@@ -17046,7 +17152,7 @@
 </file>
 
 <file path=ppt/slides/slide7.xml><?xml version="1.0" encoding="utf-8"?>
-<p:sld xmlns:a="http://schemas.openxmlformats.org/drawingml/2006/main" xmlns:r="http://schemas.openxmlformats.org/officeDocument/2006/relationships" xmlns:p="http://schemas.openxmlformats.org/presentationml/2006/main">
+<p:sld xmlns:a="http://schemas.openxmlformats.org/drawingml/2006/main" xmlns:r="http://schemas.openxmlformats.org/officeDocument/2006/relationships" xmlns:mc="http://schemas.openxmlformats.org/markup-compatibility/2006" xmlns:mv="urn:schemas-microsoft-com:mac:vml" xmlns:p="http://schemas.openxmlformats.org/presentationml/2006/main" mc:Ignorable="mv" mc:PreserveAttributes="mv:*">
   <p:cSld>
     <p:spTree>
       <p:nvGrpSpPr>
@@ -17133,7 +17239,7 @@
           <a:blip r:embed="rId2" cstate="print">
             <a:extLst>
               <a:ext uri="{28A0092B-C50C-407E-A947-70E740481C1C}">
-                <a14:useLocalDpi xmlns:a14="http://schemas.microsoft.com/office/drawing/2010/main" val="0"/>
+                <a14:useLocalDpi xmlns:a14="http://schemas.microsoft.com/office/drawing/2010/main" xmlns:p="http://schemas.openxmlformats.org/presentationml/2006/main" xmlns:r="http://schemas.openxmlformats.org/officeDocument/2006/relationships" xmlns:a="http://schemas.openxmlformats.org/drawingml/2006/main" xmlns="" val="0"/>
               </a:ext>
             </a:extLst>
           </a:blip>
@@ -17151,20 +17257,20 @@
     </p:spTree>
     <p:extLst>
       <p:ext uri="{BB962C8B-B14F-4D97-AF65-F5344CB8AC3E}">
-        <p14:creationId xmlns:p14="http://schemas.microsoft.com/office/powerpoint/2010/main" val="2795040388"/>
+        <p14:creationId xmlns:p14="http://schemas.microsoft.com/office/powerpoint/2010/main" xmlns:p="http://schemas.openxmlformats.org/presentationml/2006/main" xmlns:r="http://schemas.openxmlformats.org/officeDocument/2006/relationships" xmlns:a="http://schemas.openxmlformats.org/drawingml/2006/main" xmlns="" val="2795040388"/>
       </p:ext>
     </p:extLst>
   </p:cSld>
   <p:clrMapOvr>
     <a:masterClrMapping/>
   </p:clrMapOvr>
-  <mc:AlternateContent xmlns:mc="http://schemas.openxmlformats.org/markup-compatibility/2006" xmlns:p14="http://schemas.microsoft.com/office/powerpoint/2010/main">
-    <mc:Choice Requires="p14">
+  <mc:AlternateContent>
+    <mc:Choice xmlns:mc="http://schemas.openxmlformats.org/markup-compatibility/2006" xmlns:p14="http://schemas.microsoft.com/office/powerpoint/2010/main" xmlns:p="http://schemas.openxmlformats.org/presentationml/2006/main" xmlns:r="http://schemas.openxmlformats.org/officeDocument/2006/relationships" xmlns:a="http://schemas.openxmlformats.org/drawingml/2006/main" xmlns="" Requires="p14">
       <p:transition spd="med" p14:dur="700">
         <p:fade/>
       </p:transition>
     </mc:Choice>
-    <mc:Fallback xmlns="">
+    <mc:Fallback>
       <p:transition spd="med">
         <p:fade/>
       </p:transition>
@@ -17181,7 +17287,7 @@
 </file>
 
 <file path=ppt/slides/slide8.xml><?xml version="1.0" encoding="utf-8"?>
-<p:sld xmlns:a="http://schemas.openxmlformats.org/drawingml/2006/main" xmlns:r="http://schemas.openxmlformats.org/officeDocument/2006/relationships" xmlns:p="http://schemas.openxmlformats.org/presentationml/2006/main">
+<p:sld xmlns:a="http://schemas.openxmlformats.org/drawingml/2006/main" xmlns:r="http://schemas.openxmlformats.org/officeDocument/2006/relationships" xmlns:mc="http://schemas.openxmlformats.org/markup-compatibility/2006" xmlns:mv="urn:schemas-microsoft-com:mac:vml" xmlns:p="http://schemas.openxmlformats.org/presentationml/2006/main" mc:Ignorable="mv" mc:PreserveAttributes="mv:*">
   <p:cSld>
     <p:spTree>
       <p:nvGrpSpPr>
@@ -17531,9 +17637,12 @@
             </a:r>
             <a:r>
               <a:rPr lang="en-US" sz="2400" dirty="0"/>
-              <a:t> and do the final analysis in R in a powerful way.</a:t>
-            </a:r>
-            <a:endParaRPr lang="en-US" sz="2400" dirty="0" smtClean="0"/>
+              <a:t> and do the final analysis in R in a powerful </a:t>
+            </a:r>
+            <a:r>
+              <a:rPr lang="en-US" sz="2400" dirty="0" smtClean="0"/>
+              <a:t>way.</a:t>
+            </a:r>
           </a:p>
           <a:p>
             <a:endParaRPr lang="en-US" dirty="0"/>
@@ -17543,20 +17652,20 @@
     </p:spTree>
     <p:extLst>
       <p:ext uri="{BB962C8B-B14F-4D97-AF65-F5344CB8AC3E}">
-        <p14:creationId xmlns:p14="http://schemas.microsoft.com/office/powerpoint/2010/main" val="1509390549"/>
+        <p14:creationId xmlns:p14="http://schemas.microsoft.com/office/powerpoint/2010/main" xmlns:p="http://schemas.openxmlformats.org/presentationml/2006/main" xmlns:r="http://schemas.openxmlformats.org/officeDocument/2006/relationships" xmlns:a="http://schemas.openxmlformats.org/drawingml/2006/main" xmlns="" val="1509390549"/>
       </p:ext>
     </p:extLst>
   </p:cSld>
   <p:clrMapOvr>
     <a:masterClrMapping/>
   </p:clrMapOvr>
-  <mc:AlternateContent xmlns:mc="http://schemas.openxmlformats.org/markup-compatibility/2006" xmlns:p14="http://schemas.microsoft.com/office/powerpoint/2010/main">
-    <mc:Choice Requires="p14">
+  <mc:AlternateContent>
+    <mc:Choice xmlns:mc="http://schemas.openxmlformats.org/markup-compatibility/2006" xmlns:p14="http://schemas.microsoft.com/office/powerpoint/2010/main" xmlns:p="http://schemas.openxmlformats.org/presentationml/2006/main" xmlns:r="http://schemas.openxmlformats.org/officeDocument/2006/relationships" xmlns:a="http://schemas.openxmlformats.org/drawingml/2006/main" xmlns="" Requires="p14">
       <p:transition spd="med" p14:dur="700">
         <p:fade/>
       </p:transition>
     </mc:Choice>
-    <mc:Fallback xmlns="">
+    <mc:Fallback>
       <p:transition spd="med">
         <p:fade/>
       </p:transition>
@@ -17573,7 +17682,7 @@
 </file>
 
 <file path=ppt/tags/tag1.xml><?xml version="1.0" encoding="utf-8"?>
-<p:tagLst xmlns:a="http://schemas.openxmlformats.org/drawingml/2006/main" xmlns:r="http://schemas.openxmlformats.org/officeDocument/2006/relationships" xmlns:p="http://schemas.openxmlformats.org/presentationml/2006/main">
+<p:tagLst xmlns:a="http://schemas.openxmlformats.org/drawingml/2006/main" xmlns:r="http://schemas.openxmlformats.org/officeDocument/2006/relationships" xmlns:mc="http://schemas.openxmlformats.org/markup-compatibility/2006" xmlns:mv="urn:schemas-microsoft-com:mac:vml" xmlns:p="http://schemas.openxmlformats.org/presentationml/2006/main" mc:Ignorable="mv" mc:PreserveAttributes="mv:*">
   <p:tag name="ARTICULATE_PROJECT_OPEN" val="0"/>
 </p:tagLst>
 </file>
@@ -17946,7 +18055,7 @@
   <a:extraClrSchemeLst/>
   <a:extLst>
     <a:ext uri="{05A4C25C-085E-4340-85A3-A5531E510DB2}">
-      <thm15:themeFamily xmlns="" xmlns:thm15="http://schemas.microsoft.com/office/thememl/2012/main" name="blank" id="{173722C4-CD82-40F0-BD5F-19FD8DA8A676}" vid="{78C6FF90-5C85-489B-94E2-5070ED782A56}"/>
+      <thm15:themeFamily xmlns:thm15="http://schemas.microsoft.com/office/thememl/2012/main" xmlns="" xmlns:a="http://schemas.openxmlformats.org/drawingml/2006/main" name="blank" id="{173722C4-CD82-40F0-BD5F-19FD8DA8A676}" vid="{78C6FF90-5C85-489B-94E2-5070ED782A56}"/>
     </a:ext>
   </a:extLst>
 </a:theme>
